--- a/lec03/3.pptx
+++ b/lec03/3.pptx
@@ -7668,8 +7668,8 @@
         </p:nvSpPr>
         <p:spPr>
           <a:xfrm>
-            <a:off x="209550" y="885433"/>
-            <a:ext cx="11772900" cy="3022257"/>
+            <a:off x="209550" y="1524062"/>
+            <a:ext cx="11772900" cy="2060967"/>
           </a:xfrm>
           <a:effectLst/>
         </p:spPr>
@@ -7969,6 +7969,50 @@
           </a:prstGeom>
         </p:spPr>
       </p:pic>
+      <p:sp>
+        <p:nvSpPr>
+          <p:cNvPr id="6" name="Rectangle 5"/>
+          <p:cNvSpPr/>
+          <p:nvPr/>
+        </p:nvSpPr>
+        <p:spPr>
+          <a:xfrm>
+            <a:off x="2506132" y="3909445"/>
+            <a:ext cx="8144933" cy="369332"/>
+          </a:xfrm>
+          <a:prstGeom prst="rect">
+            <a:avLst/>
+          </a:prstGeom>
+        </p:spPr>
+        <p:txBody>
+          <a:bodyPr wrap="square">
+            <a:spAutoFit/>
+          </a:bodyPr>
+          <a:lstStyle/>
+          <a:p>
+            <a:r>
+              <a:rPr lang="en-US" dirty="0"/>
+              <a:t>https://</a:t>
+            </a:r>
+            <a:r>
+              <a:rPr lang="en-US" dirty="0" err="1"/>
+              <a:t>github.com</a:t>
+            </a:r>
+            <a:r>
+              <a:rPr lang="en-US" dirty="0"/>
+              <a:t>/</a:t>
+            </a:r>
+            <a:r>
+              <a:rPr lang="en-US" dirty="0" err="1"/>
+              <a:t>bigbrainacademy</a:t>
+            </a:r>
+            <a:r>
+              <a:rPr lang="en-US" dirty="0"/>
+              <a:t>/python4kids/tree/master/lec01</a:t>
+            </a:r>
+          </a:p>
+        </p:txBody>
+      </p:sp>
     </p:spTree>
     <p:extLst>
       <p:ext uri="{BB962C8B-B14F-4D97-AF65-F5344CB8AC3E}">

--- a/lec03/3.pptx
+++ b/lec03/3.pptx
@@ -569,7 +569,7 @@
           <a:effectLst/>
           <a:extLst>
             <a:ext uri="{91240B29-F687-4f45-9708-019B960494DF}">
-              <a14:hiddenLine xmlns="" xmlns:a14="http://schemas.microsoft.com/office/drawing/2010/main" w="9525">
+              <a14:hiddenLine xmlns:a14="http://schemas.microsoft.com/office/drawing/2010/main" xmlns="" w="9525">
                 <a:solidFill>
                   <a:srgbClr val="000000"/>
                 </a:solidFill>
@@ -2091,7 +2091,7 @@
           <a:ln/>
           <a:extLst>
             <a:ext uri="{91240B29-F687-4f45-9708-019B960494DF}">
-              <a14:hiddenLine xmlns="" xmlns:a14="http://schemas.microsoft.com/office/drawing/2010/main" w="9525">
+              <a14:hiddenLine xmlns:a14="http://schemas.microsoft.com/office/drawing/2010/main" xmlns="" w="9525">
                 <a:solidFill>
                   <a:srgbClr val="000000"/>
                 </a:solidFill>
@@ -2366,7 +2366,7 @@
           <a:ln/>
           <a:extLst>
             <a:ext uri="{91240B29-F687-4f45-9708-019B960494DF}">
-              <a14:hiddenLine xmlns="" xmlns:a14="http://schemas.microsoft.com/office/drawing/2010/main" w="9525">
+              <a14:hiddenLine xmlns:a14="http://schemas.microsoft.com/office/drawing/2010/main" xmlns="" w="9525">
                 <a:solidFill>
                   <a:srgbClr val="000000"/>
                 </a:solidFill>
@@ -2649,7 +2649,7 @@
           <a:ln/>
           <a:extLst>
             <a:ext uri="{91240B29-F687-4f45-9708-019B960494DF}">
-              <a14:hiddenLine xmlns="" xmlns:a14="http://schemas.microsoft.com/office/drawing/2010/main" w="9525">
+              <a14:hiddenLine xmlns:a14="http://schemas.microsoft.com/office/drawing/2010/main" xmlns="" w="9525">
                 <a:solidFill>
                   <a:srgbClr val="000000"/>
                 </a:solidFill>
@@ -3275,7 +3275,7 @@
           <a:ln/>
           <a:extLst>
             <a:ext uri="{91240B29-F687-4f45-9708-019B960494DF}">
-              <a14:hiddenLine xmlns="" xmlns:a14="http://schemas.microsoft.com/office/drawing/2010/main" w="9525">
+              <a14:hiddenLine xmlns:a14="http://schemas.microsoft.com/office/drawing/2010/main" xmlns="" w="9525">
                 <a:solidFill>
                   <a:srgbClr val="000000"/>
                 </a:solidFill>
@@ -3614,7 +3614,7 @@
           <a:ln/>
           <a:extLst>
             <a:ext uri="{91240B29-F687-4f45-9708-019B960494DF}">
-              <a14:hiddenLine xmlns="" xmlns:a14="http://schemas.microsoft.com/office/drawing/2010/main" w="9525">
+              <a14:hiddenLine xmlns:a14="http://schemas.microsoft.com/office/drawing/2010/main" xmlns="" w="9525">
                 <a:solidFill>
                   <a:srgbClr val="000000"/>
                 </a:solidFill>
@@ -4091,7 +4091,7 @@
           <a:ln/>
           <a:extLst>
             <a:ext uri="{91240B29-F687-4f45-9708-019B960494DF}">
-              <a14:hiddenLine xmlns="" xmlns:a14="http://schemas.microsoft.com/office/drawing/2010/main" w="9525">
+              <a14:hiddenLine xmlns:a14="http://schemas.microsoft.com/office/drawing/2010/main" xmlns="" w="9525">
                 <a:solidFill>
                   <a:srgbClr val="000000"/>
                 </a:solidFill>
@@ -4520,7 +4520,7 @@
           <a:ln/>
           <a:extLst>
             <a:ext uri="{91240B29-F687-4f45-9708-019B960494DF}">
-              <a14:hiddenLine xmlns="" xmlns:a14="http://schemas.microsoft.com/office/drawing/2010/main" w="9525">
+              <a14:hiddenLine xmlns:a14="http://schemas.microsoft.com/office/drawing/2010/main" xmlns="" w="9525">
                 <a:solidFill>
                   <a:srgbClr val="000000"/>
                 </a:solidFill>
@@ -5761,7 +5761,7 @@
           <p:cNvPr id="2" name="Title 1">
             <a:extLst>
               <a:ext uri="{FF2B5EF4-FFF2-40B4-BE49-F238E27FC236}">
-                <a16:creationId xmlns:a16="http://schemas.microsoft.com/office/drawing/2014/main" xmlns="" id="{253967F2-5A0B-C248-8CB9-CD7AEEE78A10}"/>
+                <a16:creationId xmlns="" xmlns:a16="http://schemas.microsoft.com/office/drawing/2014/main" id="{253967F2-5A0B-C248-8CB9-CD7AEEE78A10}"/>
               </a:ext>
             </a:extLst>
           </p:cNvPr>
@@ -6221,7 +6221,7 @@
           <p:cNvPr id="2" name="Title 1">
             <a:extLst>
               <a:ext uri="{FF2B5EF4-FFF2-40B4-BE49-F238E27FC236}">
-                <a16:creationId xmlns:a16="http://schemas.microsoft.com/office/drawing/2014/main" xmlns="" id="{253967F2-5A0B-C248-8CB9-CD7AEEE78A10}"/>
+                <a16:creationId xmlns="" xmlns:a16="http://schemas.microsoft.com/office/drawing/2014/main" id="{253967F2-5A0B-C248-8CB9-CD7AEEE78A10}"/>
               </a:ext>
             </a:extLst>
           </p:cNvPr>
@@ -6255,7 +6255,7 @@
           <p:cNvPr id="4" name="Rectangle 3">
             <a:extLst>
               <a:ext uri="{FF2B5EF4-FFF2-40B4-BE49-F238E27FC236}">
-                <a16:creationId xmlns:a16="http://schemas.microsoft.com/office/drawing/2014/main" xmlns="" id="{D32DC10E-7EF7-3944-8AD4-4E6E707794C4}"/>
+                <a16:creationId xmlns="" xmlns:a16="http://schemas.microsoft.com/office/drawing/2014/main" id="{D32DC10E-7EF7-3944-8AD4-4E6E707794C4}"/>
               </a:ext>
             </a:extLst>
           </p:cNvPr>
@@ -6938,7 +6938,7 @@
           <p:cNvPr id="2" name="Title 1">
             <a:extLst>
               <a:ext uri="{FF2B5EF4-FFF2-40B4-BE49-F238E27FC236}">
-                <a16:creationId xmlns:a16="http://schemas.microsoft.com/office/drawing/2014/main" xmlns="" id="{253967F2-5A0B-C248-8CB9-CD7AEEE78A10}"/>
+                <a16:creationId xmlns="" xmlns:a16="http://schemas.microsoft.com/office/drawing/2014/main" id="{253967F2-5A0B-C248-8CB9-CD7AEEE78A10}"/>
               </a:ext>
             </a:extLst>
           </p:cNvPr>
@@ -7599,10 +7599,10 @@
           <p:cNvPr id="8" name="Rectangle 7">
             <a:extLst>
               <a:ext uri="{FF2B5EF4-FFF2-40B4-BE49-F238E27FC236}">
-                <a16:creationId xmlns:a16="http://schemas.microsoft.com/office/drawing/2014/main" xmlns="" id="{597EA66B-2AAB-42B0-9F9D-38920D8D82D7}"/>
+                <a16:creationId xmlns="" xmlns:a16="http://schemas.microsoft.com/office/drawing/2014/main" id="{597EA66B-2AAB-42B0-9F9D-38920D8D82D7}"/>
               </a:ext>
               <a:ext uri="{C183D7F6-B498-43B3-948B-1728B52AA6E4}">
-                <adec:decorative xmlns:adec="http://schemas.microsoft.com/office/drawing/2017/decorative" xmlns="" val="1"/>
+                <adec:decorative xmlns="" xmlns:adec="http://schemas.microsoft.com/office/drawing/2017/decorative" val="1"/>
               </a:ext>
             </a:extLst>
           </p:cNvPr>
@@ -7655,7 +7655,7 @@
           <p:cNvPr id="2" name="Title 1">
             <a:extLst>
               <a:ext uri="{FF2B5EF4-FFF2-40B4-BE49-F238E27FC236}">
-                <a16:creationId xmlns:a16="http://schemas.microsoft.com/office/drawing/2014/main" xmlns="" id="{FD7674F6-73A9-0648-A682-1E6E87D11949}"/>
+                <a16:creationId xmlns="" xmlns:a16="http://schemas.microsoft.com/office/drawing/2014/main" id="{FD7674F6-73A9-0648-A682-1E6E87D11949}"/>
               </a:ext>
             </a:extLst>
           </p:cNvPr>
@@ -7728,10 +7728,10 @@
           <p:cNvPr id="10" name="Freeform: Shape 9">
             <a:extLst>
               <a:ext uri="{FF2B5EF4-FFF2-40B4-BE49-F238E27FC236}">
-                <a16:creationId xmlns:a16="http://schemas.microsoft.com/office/drawing/2014/main" xmlns="" id="{D360EBE3-31BB-422F-AA87-FA3873DAE484}"/>
+                <a16:creationId xmlns="" xmlns:a16="http://schemas.microsoft.com/office/drawing/2014/main" id="{D360EBE3-31BB-422F-AA87-FA3873DAE484}"/>
               </a:ext>
               <a:ext uri="{C183D7F6-B498-43B3-948B-1728B52AA6E4}">
-                <adec:decorative xmlns:adec="http://schemas.microsoft.com/office/drawing/2017/decorative" xmlns="" val="1"/>
+                <adec:decorative xmlns="" xmlns:adec="http://schemas.microsoft.com/office/drawing/2017/decorative" val="1"/>
               </a:ext>
             </a:extLst>
           </p:cNvPr>
@@ -7919,7 +7919,7 @@
           <a:effectLst/>
           <a:extLst>
             <a:ext uri="{91240B29-F687-4f45-9708-019B960494DF}">
-              <a14:hiddenLine xmlns:a14="http://schemas.microsoft.com/office/drawing/2010/main" xmlns:p14="http://schemas.microsoft.com/office/powerpoint/2010/main" xmlns:a16="http://schemas.microsoft.com/office/drawing/2014/main" xmlns="" w="9525">
+              <a14:hiddenLine xmlns="" xmlns:a16="http://schemas.microsoft.com/office/drawing/2014/main" xmlns:p14="http://schemas.microsoft.com/office/powerpoint/2010/main" xmlns:a14="http://schemas.microsoft.com/office/drawing/2010/main" w="9525">
                 <a:solidFill>
                   <a:srgbClr val="000000"/>
                 </a:solidFill>
@@ -8055,7 +8055,7 @@
           <p:cNvPr id="2" name="Title 1">
             <a:extLst>
               <a:ext uri="{FF2B5EF4-FFF2-40B4-BE49-F238E27FC236}">
-                <a16:creationId xmlns:a16="http://schemas.microsoft.com/office/drawing/2014/main" xmlns="" id="{253967F2-5A0B-C248-8CB9-CD7AEEE78A10}"/>
+                <a16:creationId xmlns="" xmlns:a16="http://schemas.microsoft.com/office/drawing/2014/main" id="{253967F2-5A0B-C248-8CB9-CD7AEEE78A10}"/>
               </a:ext>
             </a:extLst>
           </p:cNvPr>
@@ -8089,7 +8089,7 @@
           <p:cNvPr id="4" name="Rectangle 3">
             <a:extLst>
               <a:ext uri="{FF2B5EF4-FFF2-40B4-BE49-F238E27FC236}">
-                <a16:creationId xmlns:a16="http://schemas.microsoft.com/office/drawing/2014/main" xmlns="" id="{D32DC10E-7EF7-3944-8AD4-4E6E707794C4}"/>
+                <a16:creationId xmlns="" xmlns:a16="http://schemas.microsoft.com/office/drawing/2014/main" id="{D32DC10E-7EF7-3944-8AD4-4E6E707794C4}"/>
               </a:ext>
             </a:extLst>
           </p:cNvPr>
@@ -8551,7 +8551,7 @@
           <p:cNvPr id="20" name="Content Placeholder 2">
             <a:extLst>
               <a:ext uri="{FF2B5EF4-FFF2-40B4-BE49-F238E27FC236}">
-                <a16:creationId xmlns:a16="http://schemas.microsoft.com/office/drawing/2014/main" xmlns="" id="{AAC43A36-3820-8644-A359-5868F70E4EB9}"/>
+                <a16:creationId xmlns="" xmlns:a16="http://schemas.microsoft.com/office/drawing/2014/main" id="{AAC43A36-3820-8644-A359-5868F70E4EB9}"/>
               </a:ext>
             </a:extLst>
           </p:cNvPr>
@@ -8974,7 +8974,7 @@
           <p:cNvPr id="2" name="Title 1">
             <a:extLst>
               <a:ext uri="{FF2B5EF4-FFF2-40B4-BE49-F238E27FC236}">
-                <a16:creationId xmlns:a16="http://schemas.microsoft.com/office/drawing/2014/main" xmlns="" id="{253967F2-5A0B-C248-8CB9-CD7AEEE78A10}"/>
+                <a16:creationId xmlns="" xmlns:a16="http://schemas.microsoft.com/office/drawing/2014/main" id="{253967F2-5A0B-C248-8CB9-CD7AEEE78A10}"/>
               </a:ext>
             </a:extLst>
           </p:cNvPr>
@@ -9008,7 +9008,7 @@
           <p:cNvPr id="4" name="Rectangle 3">
             <a:extLst>
               <a:ext uri="{FF2B5EF4-FFF2-40B4-BE49-F238E27FC236}">
-                <a16:creationId xmlns:a16="http://schemas.microsoft.com/office/drawing/2014/main" xmlns="" id="{D32DC10E-7EF7-3944-8AD4-4E6E707794C4}"/>
+                <a16:creationId xmlns="" xmlns:a16="http://schemas.microsoft.com/office/drawing/2014/main" id="{D32DC10E-7EF7-3944-8AD4-4E6E707794C4}"/>
               </a:ext>
             </a:extLst>
           </p:cNvPr>
@@ -9155,7 +9155,7 @@
           <p:cNvPr id="20" name="Content Placeholder 2">
             <a:extLst>
               <a:ext uri="{FF2B5EF4-FFF2-40B4-BE49-F238E27FC236}">
-                <a16:creationId xmlns:a16="http://schemas.microsoft.com/office/drawing/2014/main" xmlns="" id="{AAC43A36-3820-8644-A359-5868F70E4EB9}"/>
+                <a16:creationId xmlns="" xmlns:a16="http://schemas.microsoft.com/office/drawing/2014/main" id="{AAC43A36-3820-8644-A359-5868F70E4EB9}"/>
               </a:ext>
             </a:extLst>
           </p:cNvPr>
@@ -9792,7 +9792,7 @@
           <p:cNvPr id="2" name="Title 1">
             <a:extLst>
               <a:ext uri="{FF2B5EF4-FFF2-40B4-BE49-F238E27FC236}">
-                <a16:creationId xmlns:a16="http://schemas.microsoft.com/office/drawing/2014/main" xmlns="" id="{253967F2-5A0B-C248-8CB9-CD7AEEE78A10}"/>
+                <a16:creationId xmlns="" xmlns:a16="http://schemas.microsoft.com/office/drawing/2014/main" id="{253967F2-5A0B-C248-8CB9-CD7AEEE78A10}"/>
               </a:ext>
             </a:extLst>
           </p:cNvPr>
@@ -9826,7 +9826,7 @@
           <p:cNvPr id="4" name="Rectangle 3">
             <a:extLst>
               <a:ext uri="{FF2B5EF4-FFF2-40B4-BE49-F238E27FC236}">
-                <a16:creationId xmlns:a16="http://schemas.microsoft.com/office/drawing/2014/main" xmlns="" id="{D32DC10E-7EF7-3944-8AD4-4E6E707794C4}"/>
+                <a16:creationId xmlns="" xmlns:a16="http://schemas.microsoft.com/office/drawing/2014/main" id="{D32DC10E-7EF7-3944-8AD4-4E6E707794C4}"/>
               </a:ext>
             </a:extLst>
           </p:cNvPr>
@@ -9972,7 +9972,7 @@
           <p:cNvPr id="20" name="Content Placeholder 2">
             <a:extLst>
               <a:ext uri="{FF2B5EF4-FFF2-40B4-BE49-F238E27FC236}">
-                <a16:creationId xmlns:a16="http://schemas.microsoft.com/office/drawing/2014/main" xmlns="" id="{AAC43A36-3820-8644-A359-5868F70E4EB9}"/>
+                <a16:creationId xmlns="" xmlns:a16="http://schemas.microsoft.com/office/drawing/2014/main" id="{AAC43A36-3820-8644-A359-5868F70E4EB9}"/>
               </a:ext>
             </a:extLst>
           </p:cNvPr>
@@ -10581,7 +10581,7 @@
           <p:cNvPr id="2" name="Title 1">
             <a:extLst>
               <a:ext uri="{FF2B5EF4-FFF2-40B4-BE49-F238E27FC236}">
-                <a16:creationId xmlns:a16="http://schemas.microsoft.com/office/drawing/2014/main" xmlns="" id="{253967F2-5A0B-C248-8CB9-CD7AEEE78A10}"/>
+                <a16:creationId xmlns="" xmlns:a16="http://schemas.microsoft.com/office/drawing/2014/main" id="{253967F2-5A0B-C248-8CB9-CD7AEEE78A10}"/>
               </a:ext>
             </a:extLst>
           </p:cNvPr>
@@ -10603,8 +10603,8 @@
           <a:lstStyle/>
           <a:p>
             <a:r>
-              <a:rPr lang="en-US" dirty="0" smtClean="0"/>
-              <a:t>Operators</a:t>
+              <a:rPr lang="en-US" dirty="0"/>
+              <a:t>Booleans</a:t>
             </a:r>
             <a:endParaRPr lang="en-US" dirty="0"/>
           </a:p>
@@ -10615,7 +10615,7 @@
           <p:cNvPr id="4" name="Rectangle 3">
             <a:extLst>
               <a:ext uri="{FF2B5EF4-FFF2-40B4-BE49-F238E27FC236}">
-                <a16:creationId xmlns:a16="http://schemas.microsoft.com/office/drawing/2014/main" xmlns="" id="{D32DC10E-7EF7-3944-8AD4-4E6E707794C4}"/>
+                <a16:creationId xmlns="" xmlns:a16="http://schemas.microsoft.com/office/drawing/2014/main" id="{D32DC10E-7EF7-3944-8AD4-4E6E707794C4}"/>
               </a:ext>
             </a:extLst>
           </p:cNvPr>
@@ -10753,7 +10753,6 @@
               <a:rPr lang="en-US" dirty="0"/>
               <a:t>.</a:t>
             </a:r>
-            <a:endParaRPr lang="en-US" dirty="0"/>
           </a:p>
         </p:txBody>
       </p:sp>
@@ -11216,7 +11215,7 @@
           <p:cNvPr id="17" name="Title 1">
             <a:extLst>
               <a:ext uri="{FF2B5EF4-FFF2-40B4-BE49-F238E27FC236}">
-                <a16:creationId xmlns:a16="http://schemas.microsoft.com/office/drawing/2014/main" xmlns="" id="{253967F2-5A0B-C248-8CB9-CD7AEEE78A10}"/>
+                <a16:creationId xmlns="" xmlns:a16="http://schemas.microsoft.com/office/drawing/2014/main" id="{253967F2-5A0B-C248-8CB9-CD7AEEE78A10}"/>
               </a:ext>
             </a:extLst>
           </p:cNvPr>
@@ -11626,7 +11625,7 @@
           <p:cNvPr id="17" name="Title 1">
             <a:extLst>
               <a:ext uri="{FF2B5EF4-FFF2-40B4-BE49-F238E27FC236}">
-                <a16:creationId xmlns:a16="http://schemas.microsoft.com/office/drawing/2014/main" xmlns="" id="{253967F2-5A0B-C248-8CB9-CD7AEEE78A10}"/>
+                <a16:creationId xmlns="" xmlns:a16="http://schemas.microsoft.com/office/drawing/2014/main" id="{253967F2-5A0B-C248-8CB9-CD7AEEE78A10}"/>
               </a:ext>
             </a:extLst>
           </p:cNvPr>
@@ -12224,7 +12223,7 @@
           <p:cNvPr id="2" name="Title 1">
             <a:extLst>
               <a:ext uri="{FF2B5EF4-FFF2-40B4-BE49-F238E27FC236}">
-                <a16:creationId xmlns:a16="http://schemas.microsoft.com/office/drawing/2014/main" xmlns="" id="{918868B3-A663-1844-AFE8-A6FDAE3B385E}"/>
+                <a16:creationId xmlns="" xmlns:a16="http://schemas.microsoft.com/office/drawing/2014/main" id="{918868B3-A663-1844-AFE8-A6FDAE3B385E}"/>
               </a:ext>
             </a:extLst>
           </p:cNvPr>
@@ -12264,7 +12263,7 @@
           <p:cNvPr id="23" name="Content Placeholder 22">
             <a:extLst>
               <a:ext uri="{FF2B5EF4-FFF2-40B4-BE49-F238E27FC236}">
-                <a16:creationId xmlns:a16="http://schemas.microsoft.com/office/drawing/2014/main" xmlns="" id="{47EEC4B3-E683-4E4C-BAC2-A66AD7C059D7}"/>
+                <a16:creationId xmlns="" xmlns:a16="http://schemas.microsoft.com/office/drawing/2014/main" id="{47EEC4B3-E683-4E4C-BAC2-A66AD7C059D7}"/>
               </a:ext>
             </a:extLst>
           </p:cNvPr>
@@ -12333,7 +12332,7 @@
           <p:cNvPr id="4" name="Group 3">
             <a:extLst>
               <a:ext uri="{FF2B5EF4-FFF2-40B4-BE49-F238E27FC236}">
-                <a16:creationId xmlns:a16="http://schemas.microsoft.com/office/drawing/2014/main" xmlns="" id="{9776BA90-E75A-334F-844D-33D8B53D9F36}"/>
+                <a16:creationId xmlns="" xmlns:a16="http://schemas.microsoft.com/office/drawing/2014/main" id="{9776BA90-E75A-334F-844D-33D8B53D9F36}"/>
               </a:ext>
             </a:extLst>
           </p:cNvPr>
@@ -12353,7 +12352,7 @@
             <p:cNvPr id="25" name="Content Placeholder 4" descr="A screenshot of a cell phone screen with text&#10;&#10;Description automatically generated">
               <a:extLst>
                 <a:ext uri="{FF2B5EF4-FFF2-40B4-BE49-F238E27FC236}">
-                  <a16:creationId xmlns:a16="http://schemas.microsoft.com/office/drawing/2014/main" xmlns="" id="{84B4EEE6-6018-CD43-8802-133A2DC052B0}"/>
+                  <a16:creationId xmlns="" xmlns:a16="http://schemas.microsoft.com/office/drawing/2014/main" id="{84B4EEE6-6018-CD43-8802-133A2DC052B0}"/>
                 </a:ext>
               </a:extLst>
             </p:cNvPr>
@@ -12396,7 +12395,7 @@
             <p:cNvPr id="26" name="Straight Arrow Connector 25">
               <a:extLst>
                 <a:ext uri="{FF2B5EF4-FFF2-40B4-BE49-F238E27FC236}">
-                  <a16:creationId xmlns:a16="http://schemas.microsoft.com/office/drawing/2014/main" xmlns="" id="{A68FF25F-92EB-AE4D-B49A-9D535DFDCC05}"/>
+                  <a16:creationId xmlns="" xmlns:a16="http://schemas.microsoft.com/office/drawing/2014/main" id="{A68FF25F-92EB-AE4D-B49A-9D535DFDCC05}"/>
                 </a:ext>
               </a:extLst>
             </p:cNvPr>
@@ -12438,7 +12437,7 @@
             <p:cNvPr id="27" name="Frame 26">
               <a:extLst>
                 <a:ext uri="{FF2B5EF4-FFF2-40B4-BE49-F238E27FC236}">
-                  <a16:creationId xmlns:a16="http://schemas.microsoft.com/office/drawing/2014/main" xmlns="" id="{3DD01559-3DB0-CB4B-A2F0-6B74C049CAB4}"/>
+                  <a16:creationId xmlns="" xmlns:a16="http://schemas.microsoft.com/office/drawing/2014/main" id="{3DD01559-3DB0-CB4B-A2F0-6B74C049CAB4}"/>
                 </a:ext>
               </a:extLst>
             </p:cNvPr>
@@ -12497,7 +12496,7 @@
           <p:cNvPr id="5" name="Group 4">
             <a:extLst>
               <a:ext uri="{FF2B5EF4-FFF2-40B4-BE49-F238E27FC236}">
-                <a16:creationId xmlns:a16="http://schemas.microsoft.com/office/drawing/2014/main" xmlns="" id="{93B0F7E5-1D46-6143-999F-650EB0A3F4AC}"/>
+                <a16:creationId xmlns="" xmlns:a16="http://schemas.microsoft.com/office/drawing/2014/main" id="{93B0F7E5-1D46-6143-999F-650EB0A3F4AC}"/>
               </a:ext>
             </a:extLst>
           </p:cNvPr>
@@ -12517,7 +12516,7 @@
             <p:cNvPr id="3" name="Picture 2">
               <a:extLst>
                 <a:ext uri="{FF2B5EF4-FFF2-40B4-BE49-F238E27FC236}">
-                  <a16:creationId xmlns:a16="http://schemas.microsoft.com/office/drawing/2014/main" xmlns="" id="{5C66460C-043A-494C-A2A5-93611CFD4B84}"/>
+                  <a16:creationId xmlns="" xmlns:a16="http://schemas.microsoft.com/office/drawing/2014/main" id="{5C66460C-043A-494C-A2A5-93611CFD4B84}"/>
                 </a:ext>
               </a:extLst>
             </p:cNvPr>
@@ -12554,7 +12553,7 @@
             <p:cNvPr id="12" name="Frame 11">
               <a:extLst>
                 <a:ext uri="{FF2B5EF4-FFF2-40B4-BE49-F238E27FC236}">
-                  <a16:creationId xmlns:a16="http://schemas.microsoft.com/office/drawing/2014/main" xmlns="" id="{552E47DA-4447-E249-AAF0-75A21746BCDA}"/>
+                  <a16:creationId xmlns="" xmlns:a16="http://schemas.microsoft.com/office/drawing/2014/main" id="{552E47DA-4447-E249-AAF0-75A21746BCDA}"/>
                 </a:ext>
               </a:extLst>
             </p:cNvPr>
@@ -12613,7 +12612,7 @@
           <p:cNvPr id="11" name="Rectangle 10">
             <a:extLst>
               <a:ext uri="{FF2B5EF4-FFF2-40B4-BE49-F238E27FC236}">
-                <a16:creationId xmlns:a16="http://schemas.microsoft.com/office/drawing/2014/main" xmlns="" id="{B3602F78-0152-F449-A476-CB75C2431FAD}"/>
+                <a16:creationId xmlns="" xmlns:a16="http://schemas.microsoft.com/office/drawing/2014/main" id="{B3602F78-0152-F449-A476-CB75C2431FAD}"/>
               </a:ext>
             </a:extLst>
           </p:cNvPr>

--- a/lec03/3.pptx
+++ b/lec03/3.pptx
@@ -11,9 +11,9 @@
     <p:sldId id="267" r:id="rId2"/>
     <p:sldId id="256" r:id="rId3"/>
     <p:sldId id="261" r:id="rId4"/>
-    <p:sldId id="264" r:id="rId5"/>
-    <p:sldId id="265" r:id="rId6"/>
-    <p:sldId id="268" r:id="rId7"/>
+    <p:sldId id="268" r:id="rId5"/>
+    <p:sldId id="264" r:id="rId6"/>
+    <p:sldId id="265" r:id="rId7"/>
     <p:sldId id="257" r:id="rId8"/>
     <p:sldId id="263" r:id="rId9"/>
     <p:sldId id="260" r:id="rId10"/>
@@ -8996,8 +8996,8 @@
           <a:lstStyle/>
           <a:p>
             <a:r>
-              <a:rPr lang="en-US" dirty="0" smtClean="0"/>
-              <a:t>Change data type of variables</a:t>
+              <a:rPr lang="en-US" dirty="0"/>
+              <a:t>Booleans</a:t>
             </a:r>
             <a:endParaRPr lang="en-US" dirty="0"/>
           </a:p>
@@ -9098,7 +9098,7 @@
         <p:spPr>
           <a:xfrm>
             <a:off x="193650" y="2319767"/>
-            <a:ext cx="5691870" cy="461665"/>
+            <a:ext cx="5354534" cy="646331"/>
           </a:xfrm>
           <a:prstGeom prst="rect">
             <a:avLst/>
@@ -9115,14 +9115,37 @@
               <a:buChar char="•"/>
             </a:pPr>
             <a:r>
-              <a:rPr lang="en-US" sz="2400" dirty="0"/>
-              <a:t>using constructor </a:t>
-            </a:r>
-            <a:r>
-              <a:rPr lang="en-US" sz="2400" dirty="0" smtClean="0"/>
-              <a:t>functions:</a:t>
-            </a:r>
-            <a:endParaRPr lang="en-US" sz="2400" dirty="0"/>
+              <a:rPr lang="en-US" b="1" dirty="0"/>
+              <a:t>Booleans</a:t>
+            </a:r>
+            <a:r>
+              <a:rPr lang="en-US" dirty="0"/>
+              <a:t> represent one of two values: </a:t>
+            </a:r>
+            <a:r>
+              <a:rPr lang="en-US" dirty="0">
+                <a:solidFill>
+                  <a:srgbClr val="FF0000"/>
+                </a:solidFill>
+              </a:rPr>
+              <a:t>True</a:t>
+            </a:r>
+            <a:r>
+              <a:rPr lang="en-US" dirty="0"/>
+              <a:t> or </a:t>
+            </a:r>
+            <a:r>
+              <a:rPr lang="en-US" dirty="0">
+                <a:solidFill>
+                  <a:srgbClr val="FF0000"/>
+                </a:solidFill>
+              </a:rPr>
+              <a:t>False</a:t>
+            </a:r>
+            <a:r>
+              <a:rPr lang="en-US" dirty="0"/>
+              <a:t>.</a:t>
+            </a:r>
           </a:p>
         </p:txBody>
       </p:sp>
@@ -9152,531 +9175,53 @@
       </p:pic>
       <p:sp>
         <p:nvSpPr>
-          <p:cNvPr id="20" name="Content Placeholder 2">
-            <a:extLst>
-              <a:ext uri="{FF2B5EF4-FFF2-40B4-BE49-F238E27FC236}">
-                <a16:creationId xmlns="" xmlns:a16="http://schemas.microsoft.com/office/drawing/2014/main" id="{AAC43A36-3820-8644-A359-5868F70E4EB9}"/>
-              </a:ext>
-            </a:extLst>
-          </p:cNvPr>
-          <p:cNvSpPr txBox="1">
-            <a:spLocks/>
-          </p:cNvSpPr>
+          <p:cNvPr id="9" name="Rectangle 8"/>
+          <p:cNvSpPr/>
           <p:nvPr/>
         </p:nvSpPr>
         <p:spPr>
           <a:xfrm>
-            <a:off x="7226255" y="2729385"/>
-            <a:ext cx="4514231" cy="3555232"/>
+            <a:off x="674370" y="4476711"/>
+            <a:ext cx="1398140" cy="923330"/>
           </a:xfrm>
           <a:prstGeom prst="rect">
             <a:avLst/>
           </a:prstGeom>
-          <a:effectLst>
-            <a:outerShdw blurRad="50800" dir="14400000">
-              <a:srgbClr val="000000">
-                <a:alpha val="40000"/>
-              </a:srgbClr>
-            </a:outerShdw>
-          </a:effectLst>
-        </p:spPr>
-        <p:txBody>
-          <a:bodyPr vert="horz" lIns="91440" tIns="45720" rIns="91440" bIns="45720" rtlCol="0" anchor="ctr">
-            <a:normAutofit/>
-          </a:bodyPr>
-          <a:lstStyle>
-            <a:lvl1pPr marL="342900" indent="-342900" algn="l" defTabSz="457200" rtl="0" eaLnBrk="1" latinLnBrk="0" hangingPunct="1">
-              <a:spcBef>
-                <a:spcPct val="20000"/>
-              </a:spcBef>
-              <a:spcAft>
-                <a:spcPts val="600"/>
-              </a:spcAft>
-              <a:buClr>
-                <a:schemeClr val="accent1"/>
-              </a:buClr>
-              <a:buFont typeface="Wingdings 2" charset="2"/>
-              <a:buChar char=""/>
-              <a:defRPr sz="1800" kern="1200">
-                <a:solidFill>
-                  <a:schemeClr val="tx1"/>
-                </a:solidFill>
-                <a:latin typeface="+mn-lt"/>
-                <a:ea typeface="+mn-ea"/>
-                <a:cs typeface="+mn-cs"/>
-              </a:defRPr>
-            </a:lvl1pPr>
-            <a:lvl2pPr marL="742950" indent="-285750" algn="l" defTabSz="457200" rtl="0" eaLnBrk="1" latinLnBrk="0" hangingPunct="1">
-              <a:spcBef>
-                <a:spcPct val="20000"/>
-              </a:spcBef>
-              <a:spcAft>
-                <a:spcPts val="600"/>
-              </a:spcAft>
-              <a:buClr>
-                <a:schemeClr val="accent1"/>
-              </a:buClr>
-              <a:buFont typeface="Wingdings 2" charset="2"/>
-              <a:buChar char=""/>
-              <a:defRPr sz="1600" kern="1200">
-                <a:solidFill>
-                  <a:schemeClr val="tx1"/>
-                </a:solidFill>
-                <a:latin typeface="+mn-lt"/>
-                <a:ea typeface="+mn-ea"/>
-                <a:cs typeface="+mn-cs"/>
-              </a:defRPr>
-            </a:lvl2pPr>
-            <a:lvl3pPr marL="1143000" indent="-228600" algn="l" defTabSz="457200" rtl="0" eaLnBrk="1" latinLnBrk="0" hangingPunct="1">
-              <a:spcBef>
-                <a:spcPct val="20000"/>
-              </a:spcBef>
-              <a:spcAft>
-                <a:spcPts val="600"/>
-              </a:spcAft>
-              <a:buClr>
-                <a:schemeClr val="accent1"/>
-              </a:buClr>
-              <a:buFont typeface="Wingdings 2" charset="2"/>
-              <a:buChar char=""/>
-              <a:defRPr sz="1400" kern="1200">
-                <a:solidFill>
-                  <a:schemeClr val="tx1"/>
-                </a:solidFill>
-                <a:latin typeface="+mn-lt"/>
-                <a:ea typeface="+mn-ea"/>
-                <a:cs typeface="+mn-cs"/>
-              </a:defRPr>
-            </a:lvl3pPr>
-            <a:lvl4pPr marL="1600200" indent="-228600" algn="l" defTabSz="457200" rtl="0" eaLnBrk="1" latinLnBrk="0" hangingPunct="1">
-              <a:spcBef>
-                <a:spcPct val="20000"/>
-              </a:spcBef>
-              <a:spcAft>
-                <a:spcPts val="600"/>
-              </a:spcAft>
-              <a:buClr>
-                <a:schemeClr val="accent1"/>
-              </a:buClr>
-              <a:buFont typeface="Wingdings 2" charset="2"/>
-              <a:buChar char=""/>
-              <a:defRPr sz="1200" kern="1200">
-                <a:solidFill>
-                  <a:schemeClr val="tx1"/>
-                </a:solidFill>
-                <a:latin typeface="+mn-lt"/>
-                <a:ea typeface="+mn-ea"/>
-                <a:cs typeface="+mn-cs"/>
-              </a:defRPr>
-            </a:lvl4pPr>
-            <a:lvl5pPr marL="2057400" indent="-228600" algn="l" defTabSz="457200" rtl="0" eaLnBrk="1" latinLnBrk="0" hangingPunct="1">
-              <a:spcBef>
-                <a:spcPct val="20000"/>
-              </a:spcBef>
-              <a:spcAft>
-                <a:spcPts val="600"/>
-              </a:spcAft>
-              <a:buClr>
-                <a:schemeClr val="accent1"/>
-              </a:buClr>
-              <a:buFont typeface="Wingdings 2" charset="2"/>
-              <a:buChar char=""/>
-              <a:defRPr sz="1200" kern="1200">
-                <a:solidFill>
-                  <a:schemeClr val="tx1"/>
-                </a:solidFill>
-                <a:latin typeface="+mn-lt"/>
-                <a:ea typeface="+mn-ea"/>
-                <a:cs typeface="+mn-cs"/>
-              </a:defRPr>
-            </a:lvl5pPr>
-            <a:lvl6pPr marL="2400000" indent="-228600" algn="l" defTabSz="457200" rtl="0" eaLnBrk="1" latinLnBrk="0" hangingPunct="1">
-              <a:spcBef>
-                <a:spcPct val="20000"/>
-              </a:spcBef>
-              <a:spcAft>
-                <a:spcPts val="600"/>
-              </a:spcAft>
-              <a:buClr>
-                <a:schemeClr val="accent1"/>
-              </a:buClr>
-              <a:buFont typeface="Wingdings 2" charset="2"/>
-              <a:buChar char=""/>
-              <a:defRPr sz="1200" kern="1200">
-                <a:solidFill>
-                  <a:schemeClr val="tx1"/>
-                </a:solidFill>
-                <a:latin typeface="+mn-lt"/>
-                <a:ea typeface="+mn-ea"/>
-                <a:cs typeface="+mn-cs"/>
-              </a:defRPr>
-            </a:lvl6pPr>
-            <a:lvl7pPr marL="2800000" indent="-228600" algn="l" defTabSz="457200" rtl="0" eaLnBrk="1" latinLnBrk="0" hangingPunct="1">
-              <a:spcBef>
-                <a:spcPct val="20000"/>
-              </a:spcBef>
-              <a:spcAft>
-                <a:spcPts val="600"/>
-              </a:spcAft>
-              <a:buClr>
-                <a:schemeClr val="accent1"/>
-              </a:buClr>
-              <a:buFont typeface="Wingdings 2" charset="2"/>
-              <a:buChar char=""/>
-              <a:defRPr sz="1200" kern="1200">
-                <a:solidFill>
-                  <a:schemeClr val="tx1"/>
-                </a:solidFill>
-                <a:latin typeface="+mn-lt"/>
-                <a:ea typeface="+mn-ea"/>
-                <a:cs typeface="+mn-cs"/>
-              </a:defRPr>
-            </a:lvl7pPr>
-            <a:lvl8pPr marL="3200000" indent="-228600" algn="l" defTabSz="457200" rtl="0" eaLnBrk="1" latinLnBrk="0" hangingPunct="1">
-              <a:spcBef>
-                <a:spcPct val="20000"/>
-              </a:spcBef>
-              <a:spcAft>
-                <a:spcPts val="600"/>
-              </a:spcAft>
-              <a:buClr>
-                <a:schemeClr val="accent1"/>
-              </a:buClr>
-              <a:buFont typeface="Wingdings 2" charset="2"/>
-              <a:buChar char=""/>
-              <a:defRPr sz="1200" kern="1200">
-                <a:solidFill>
-                  <a:schemeClr val="tx1"/>
-                </a:solidFill>
-                <a:latin typeface="+mn-lt"/>
-                <a:ea typeface="+mn-ea"/>
-                <a:cs typeface="+mn-cs"/>
-              </a:defRPr>
-            </a:lvl8pPr>
-            <a:lvl9pPr marL="3600000" indent="-228600" algn="l" defTabSz="457200" rtl="0" eaLnBrk="1" latinLnBrk="0" hangingPunct="1">
-              <a:spcBef>
-                <a:spcPct val="20000"/>
-              </a:spcBef>
-              <a:spcAft>
-                <a:spcPts val="600"/>
-              </a:spcAft>
-              <a:buClr>
-                <a:schemeClr val="accent1"/>
-              </a:buClr>
-              <a:buFont typeface="Wingdings 2" charset="2"/>
-              <a:buChar char=""/>
-              <a:defRPr sz="1200" kern="1200">
-                <a:solidFill>
-                  <a:schemeClr val="tx1"/>
-                </a:solidFill>
-                <a:latin typeface="+mn-lt"/>
-                <a:ea typeface="+mn-ea"/>
-                <a:cs typeface="+mn-cs"/>
-              </a:defRPr>
-            </a:lvl9pPr>
-          </a:lstStyle>
-          <a:p>
-            <a:r>
-              <a:rPr lang="en-US" dirty="0" smtClean="0">
-                <a:solidFill>
-                  <a:srgbClr val="FF0000"/>
-                </a:solidFill>
-              </a:rPr>
-              <a:t>num4age = </a:t>
-            </a:r>
-            <a:r>
-              <a:rPr lang="en-US" dirty="0" err="1" smtClean="0">
-                <a:solidFill>
-                  <a:srgbClr val="FF0000"/>
-                </a:solidFill>
-              </a:rPr>
-              <a:t>int</a:t>
-            </a:r>
-            <a:r>
-              <a:rPr lang="en-US" dirty="0" smtClean="0">
-                <a:solidFill>
-                  <a:srgbClr val="FF0000"/>
-                </a:solidFill>
-              </a:rPr>
-              <a:t>(string4age)</a:t>
-            </a:r>
-          </a:p>
-          <a:p>
-            <a:r>
-              <a:rPr lang="en-US" dirty="0" smtClean="0"/>
-              <a:t>print(type(string4age</a:t>
-            </a:r>
-            <a:r>
-              <a:rPr lang="en-US" dirty="0"/>
-              <a:t>))</a:t>
-            </a:r>
-          </a:p>
-          <a:p>
-            <a:r>
-              <a:rPr lang="en-US" dirty="0" smtClean="0"/>
-              <a:t>print(type(num4age))</a:t>
-            </a:r>
-          </a:p>
-          <a:p>
-            <a:endParaRPr lang="en-US" dirty="0"/>
-          </a:p>
-          <a:p>
-            <a:r>
-              <a:rPr lang="en-US" dirty="0" smtClean="0">
-                <a:solidFill>
-                  <a:srgbClr val="000000"/>
-                </a:solidFill>
-                <a:latin typeface="Consolas" charset="0"/>
-              </a:rPr>
-              <a:t>x = </a:t>
-            </a:r>
-            <a:r>
-              <a:rPr lang="en-US" dirty="0" err="1" smtClean="0">
-                <a:solidFill>
-                  <a:srgbClr val="0000CD"/>
-                </a:solidFill>
-                <a:latin typeface="Consolas" charset="0"/>
-              </a:rPr>
-              <a:t>str</a:t>
-            </a:r>
-            <a:r>
-              <a:rPr lang="en-US" dirty="0" smtClean="0">
-                <a:solidFill>
-                  <a:srgbClr val="000000"/>
-                </a:solidFill>
-                <a:latin typeface="Consolas" charset="0"/>
-              </a:rPr>
-              <a:t>(</a:t>
-            </a:r>
-            <a:r>
-              <a:rPr lang="en-US" dirty="0" smtClean="0">
-                <a:solidFill>
-                  <a:srgbClr val="A52A2A"/>
-                </a:solidFill>
-                <a:latin typeface="Consolas" charset="0"/>
-              </a:rPr>
-              <a:t>"s1"</a:t>
-            </a:r>
-            <a:r>
-              <a:rPr lang="en-US" dirty="0" smtClean="0">
-                <a:solidFill>
-                  <a:srgbClr val="000000"/>
-                </a:solidFill>
-                <a:latin typeface="Consolas" charset="0"/>
-              </a:rPr>
-              <a:t>) </a:t>
-            </a:r>
-            <a:r>
-              <a:rPr lang="en-US" dirty="0" smtClean="0">
-                <a:solidFill>
-                  <a:srgbClr val="008000"/>
-                </a:solidFill>
-                <a:latin typeface="Consolas" charset="0"/>
-              </a:rPr>
-              <a:t># x will be 's1’</a:t>
-            </a:r>
-          </a:p>
-          <a:p>
-            <a:r>
-              <a:rPr lang="en-US" dirty="0" smtClean="0">
-                <a:solidFill>
-                  <a:srgbClr val="000000"/>
-                </a:solidFill>
-                <a:latin typeface="Consolas" charset="0"/>
-              </a:rPr>
-              <a:t>y = </a:t>
-            </a:r>
-            <a:r>
-              <a:rPr lang="en-US" dirty="0" err="1" smtClean="0">
-                <a:solidFill>
-                  <a:srgbClr val="0000CD"/>
-                </a:solidFill>
-                <a:latin typeface="Consolas" charset="0"/>
-              </a:rPr>
-              <a:t>str</a:t>
-            </a:r>
-            <a:r>
-              <a:rPr lang="en-US" dirty="0" smtClean="0">
-                <a:solidFill>
-                  <a:srgbClr val="000000"/>
-                </a:solidFill>
-                <a:latin typeface="Consolas" charset="0"/>
-              </a:rPr>
-              <a:t>(</a:t>
-            </a:r>
-            <a:r>
-              <a:rPr lang="en-US" dirty="0" smtClean="0">
-                <a:solidFill>
-                  <a:srgbClr val="FF0000"/>
-                </a:solidFill>
-                <a:latin typeface="Consolas" charset="0"/>
-              </a:rPr>
-              <a:t>2</a:t>
-            </a:r>
-            <a:r>
-              <a:rPr lang="en-US" dirty="0" smtClean="0">
-                <a:solidFill>
-                  <a:srgbClr val="000000"/>
-                </a:solidFill>
-                <a:latin typeface="Consolas" charset="0"/>
-              </a:rPr>
-              <a:t>)    </a:t>
-            </a:r>
-            <a:r>
-              <a:rPr lang="en-US" dirty="0" smtClean="0">
-                <a:solidFill>
-                  <a:srgbClr val="008000"/>
-                </a:solidFill>
-                <a:latin typeface="Consolas" charset="0"/>
-              </a:rPr>
-              <a:t># y will be '2’</a:t>
-            </a:r>
-          </a:p>
-          <a:p>
-            <a:r>
-              <a:rPr lang="en-US" dirty="0" smtClean="0">
-                <a:solidFill>
-                  <a:srgbClr val="000000"/>
-                </a:solidFill>
-                <a:latin typeface="Consolas" charset="0"/>
-              </a:rPr>
-              <a:t>z = </a:t>
-            </a:r>
-            <a:r>
-              <a:rPr lang="en-US" dirty="0" err="1" smtClean="0">
-                <a:solidFill>
-                  <a:srgbClr val="0000CD"/>
-                </a:solidFill>
-                <a:latin typeface="Consolas" charset="0"/>
-              </a:rPr>
-              <a:t>str</a:t>
-            </a:r>
-            <a:r>
-              <a:rPr lang="en-US" dirty="0" smtClean="0">
-                <a:solidFill>
-                  <a:srgbClr val="000000"/>
-                </a:solidFill>
-                <a:latin typeface="Consolas" charset="0"/>
-              </a:rPr>
-              <a:t>(</a:t>
-            </a:r>
-            <a:r>
-              <a:rPr lang="en-US" dirty="0" smtClean="0">
-                <a:solidFill>
-                  <a:srgbClr val="FF0000"/>
-                </a:solidFill>
-                <a:latin typeface="Consolas" charset="0"/>
-              </a:rPr>
-              <a:t>3.0</a:t>
-            </a:r>
-            <a:r>
-              <a:rPr lang="en-US" dirty="0" smtClean="0">
-                <a:solidFill>
-                  <a:srgbClr val="000000"/>
-                </a:solidFill>
-                <a:latin typeface="Consolas" charset="0"/>
-              </a:rPr>
-              <a:t>)  </a:t>
-            </a:r>
-            <a:r>
-              <a:rPr lang="en-US" dirty="0" smtClean="0">
-                <a:solidFill>
-                  <a:srgbClr val="008000"/>
-                </a:solidFill>
-                <a:latin typeface="Consolas" charset="0"/>
-              </a:rPr>
-              <a:t># z will be '3.0'</a:t>
-            </a:r>
-            <a:endParaRPr lang="en-US" dirty="0"/>
-          </a:p>
-        </p:txBody>
-      </p:sp>
-      <p:sp>
-        <p:nvSpPr>
-          <p:cNvPr id="3" name="Rectangle 2"/>
-          <p:cNvSpPr/>
-          <p:nvPr/>
-        </p:nvSpPr>
-        <p:spPr>
-          <a:xfrm>
-            <a:off x="205163" y="3281680"/>
-            <a:ext cx="5527980" cy="1938992"/>
-          </a:xfrm>
-          <a:prstGeom prst="rect">
-            <a:avLst/>
-          </a:prstGeom>
-        </p:spPr>
-        <p:txBody>
-          <a:bodyPr wrap="square">
+        </p:spPr>
+        <p:txBody>
+          <a:bodyPr wrap="none">
             <a:spAutoFit/>
           </a:bodyPr>
           <a:lstStyle/>
           <a:p>
-            <a:pPr>
-              <a:buFont typeface="Arial" charset="0"/>
-              <a:buChar char="•"/>
-            </a:pPr>
-            <a:r>
-              <a:rPr lang="en-US" sz="2000" dirty="0" smtClean="0">
-                <a:solidFill>
-                  <a:srgbClr val="DC143C"/>
-                </a:solidFill>
-                <a:latin typeface="Consolas" charset="0"/>
-              </a:rPr>
-              <a:t> </a:t>
-            </a:r>
-            <a:r>
-              <a:rPr lang="en-US" sz="2000" dirty="0" err="1" smtClean="0">
-                <a:solidFill>
-                  <a:srgbClr val="DC143C"/>
-                </a:solidFill>
-                <a:latin typeface="Consolas" charset="0"/>
-              </a:rPr>
-              <a:t>int</a:t>
-            </a:r>
-            <a:r>
-              <a:rPr lang="en-US" sz="2000" dirty="0" smtClean="0">
-                <a:solidFill>
-                  <a:srgbClr val="DC143C"/>
-                </a:solidFill>
-                <a:latin typeface="Consolas" charset="0"/>
-              </a:rPr>
-              <a:t>()</a:t>
-            </a:r>
-            <a:r>
-              <a:rPr lang="en-US" sz="2000" dirty="0" smtClean="0">
+            <a:r>
+              <a:rPr lang="mr-IN" dirty="0" err="1">
                 <a:solidFill>
                   <a:srgbClr val="000000"/>
                 </a:solidFill>
                 <a:latin typeface="Verdana" charset="0"/>
               </a:rPr>
-              <a:t>: constructs </a:t>
-            </a:r>
-            <a:r>
-              <a:rPr lang="en-US" sz="2000" dirty="0">
+              <a:t>x</a:t>
+            </a:r>
+            <a:r>
+              <a:rPr lang="mr-IN" dirty="0">
                 <a:solidFill>
                   <a:srgbClr val="000000"/>
                 </a:solidFill>
                 <a:latin typeface="Verdana" charset="0"/>
               </a:rPr>
-              <a:t>an integer number from </a:t>
-            </a:r>
-            <a:r>
-              <a:rPr lang="en-US" sz="2000" dirty="0" smtClean="0">
+              <a:t> = </a:t>
+            </a:r>
+            <a:r>
+              <a:rPr lang="mr-IN" dirty="0" smtClean="0">
                 <a:solidFill>
                   <a:srgbClr val="000000"/>
                 </a:solidFill>
                 <a:latin typeface="Verdana" charset="0"/>
               </a:rPr>
-              <a:t>other data type.</a:t>
-            </a:r>
-          </a:p>
-          <a:p>
-            <a:pPr>
-              <a:buFont typeface="Arial" charset="0"/>
-              <a:buChar char="•"/>
-            </a:pPr>
-            <a:endParaRPr lang="en-US" sz="2000" dirty="0">
+              <a:t>5</a:t>
+            </a:r>
+            <a:endParaRPr lang="en-US" dirty="0" smtClean="0">
               <a:solidFill>
                 <a:srgbClr val="000000"/>
               </a:solidFill>
@@ -9684,76 +9229,323 @@
             </a:endParaRPr>
           </a:p>
           <a:p>
-            <a:pPr>
-              <a:buFont typeface="Arial" charset="0"/>
-              <a:buChar char="•"/>
-            </a:pPr>
-            <a:endParaRPr lang="en-US" sz="2000" dirty="0" smtClean="0">
-              <a:solidFill>
-                <a:srgbClr val="000000"/>
-              </a:solidFill>
-              <a:latin typeface="Verdana" charset="0"/>
-            </a:endParaRPr>
-          </a:p>
-          <a:p>
-            <a:pPr>
-              <a:buFont typeface="Arial" charset="0"/>
-              <a:buChar char="•"/>
-            </a:pPr>
-            <a:r>
-              <a:rPr lang="en-US" sz="2000" dirty="0">
+            <a:r>
+              <a:rPr lang="en-US" dirty="0" smtClean="0">
                 <a:solidFill>
                   <a:srgbClr val="000000"/>
                 </a:solidFill>
                 <a:latin typeface="Verdana" charset="0"/>
               </a:rPr>
+              <a:t>y=3</a:t>
+            </a:r>
+          </a:p>
+          <a:p>
+            <a:r>
+              <a:rPr lang="en-US" dirty="0" smtClean="0">
+                <a:solidFill>
+                  <a:srgbClr val="000000"/>
+                </a:solidFill>
+                <a:latin typeface="Verdana" charset="0"/>
+              </a:rPr>
+              <a:t>print(x&gt;y)</a:t>
+            </a:r>
+            <a:endParaRPr lang="en-US" dirty="0"/>
+          </a:p>
+        </p:txBody>
+      </p:sp>
+      <p:sp>
+        <p:nvSpPr>
+          <p:cNvPr id="3" name="Rectangle 2"/>
+          <p:cNvSpPr/>
+          <p:nvPr/>
+        </p:nvSpPr>
+        <p:spPr>
+          <a:xfrm>
+            <a:off x="7541140" y="2879570"/>
+            <a:ext cx="3496295" cy="923330"/>
+          </a:xfrm>
+          <a:prstGeom prst="rect">
+            <a:avLst/>
+          </a:prstGeom>
+        </p:spPr>
+        <p:txBody>
+          <a:bodyPr wrap="square">
+            <a:spAutoFit/>
+          </a:bodyPr>
+          <a:lstStyle/>
+          <a:p>
+            <a:r>
+              <a:rPr lang="mr-IN" dirty="0" err="1">
+                <a:solidFill>
+                  <a:srgbClr val="0000CD"/>
+                </a:solidFill>
+                <a:latin typeface="Consolas" charset="0"/>
+              </a:rPr>
+              <a:t>print</a:t>
+            </a:r>
+            <a:r>
+              <a:rPr lang="mr-IN" dirty="0">
+                <a:solidFill>
+                  <a:srgbClr val="000000"/>
+                </a:solidFill>
+                <a:latin typeface="Consolas" charset="0"/>
+              </a:rPr>
+              <a:t>(</a:t>
+            </a:r>
+            <a:r>
+              <a:rPr lang="mr-IN" dirty="0">
+                <a:solidFill>
+                  <a:srgbClr val="FF0000"/>
+                </a:solidFill>
+                <a:latin typeface="Consolas" charset="0"/>
+              </a:rPr>
+              <a:t>10</a:t>
+            </a:r>
+            <a:r>
+              <a:rPr lang="mr-IN" dirty="0">
+                <a:solidFill>
+                  <a:srgbClr val="000000"/>
+                </a:solidFill>
+                <a:latin typeface="Consolas" charset="0"/>
+              </a:rPr>
+              <a:t> &gt; </a:t>
+            </a:r>
+            <a:r>
+              <a:rPr lang="mr-IN" dirty="0">
+                <a:solidFill>
+                  <a:srgbClr val="FF0000"/>
+                </a:solidFill>
+                <a:latin typeface="Consolas" charset="0"/>
+              </a:rPr>
+              <a:t>9</a:t>
+            </a:r>
+            <a:r>
+              <a:rPr lang="mr-IN" dirty="0" smtClean="0">
+                <a:solidFill>
+                  <a:srgbClr val="000000"/>
+                </a:solidFill>
+                <a:latin typeface="Consolas" charset="0"/>
+              </a:rPr>
+              <a:t>)</a:t>
+            </a:r>
+            <a:r>
+              <a:rPr lang="en-US" dirty="0">
+                <a:solidFill>
+                  <a:srgbClr val="000000"/>
+                </a:solidFill>
+                <a:latin typeface="Consolas" charset="0"/>
+              </a:rPr>
               <a:t> </a:t>
             </a:r>
             <a:r>
-              <a:rPr lang="en-US" sz="2000" dirty="0" err="1" smtClean="0">
-                <a:solidFill>
-                  <a:srgbClr val="DC143C"/>
+              <a:rPr lang="en-US" dirty="0" smtClean="0">
+                <a:solidFill>
+                  <a:srgbClr val="000000"/>
                 </a:solidFill>
                 <a:latin typeface="Consolas" charset="0"/>
               </a:rPr>
-              <a:t>str</a:t>
-            </a:r>
-            <a:r>
-              <a:rPr lang="en-US" sz="2000" dirty="0" smtClean="0">
-                <a:solidFill>
-                  <a:srgbClr val="DC143C"/>
+              <a:t>  # True</a:t>
+            </a:r>
+            <a:r>
+              <a:rPr lang="mr-IN" dirty="0"/>
+              <a:t/>
+            </a:r>
+            <a:br>
+              <a:rPr lang="mr-IN" dirty="0"/>
+            </a:br>
+            <a:r>
+              <a:rPr lang="mr-IN" dirty="0" err="1">
+                <a:solidFill>
+                  <a:srgbClr val="0000CD"/>
                 </a:solidFill>
                 <a:latin typeface="Consolas" charset="0"/>
               </a:rPr>
-              <a:t>(): </a:t>
-            </a:r>
-            <a:r>
-              <a:rPr lang="en-US" sz="2000" dirty="0"/>
-              <a:t>constructs a string from </a:t>
-            </a:r>
-            <a:r>
-              <a:rPr lang="en-US" sz="2000" dirty="0">
+              <a:t>print</a:t>
+            </a:r>
+            <a:r>
+              <a:rPr lang="mr-IN" dirty="0">
                 <a:solidFill>
                   <a:srgbClr val="000000"/>
                 </a:solidFill>
+                <a:latin typeface="Consolas" charset="0"/>
+              </a:rPr>
+              <a:t>(</a:t>
+            </a:r>
+            <a:r>
+              <a:rPr lang="mr-IN" dirty="0">
+                <a:solidFill>
+                  <a:srgbClr val="FF0000"/>
+                </a:solidFill>
+                <a:latin typeface="Consolas" charset="0"/>
+              </a:rPr>
+              <a:t>10</a:t>
+            </a:r>
+            <a:r>
+              <a:rPr lang="mr-IN" dirty="0">
+                <a:solidFill>
+                  <a:srgbClr val="000000"/>
+                </a:solidFill>
+                <a:latin typeface="Consolas" charset="0"/>
+              </a:rPr>
+              <a:t> == </a:t>
+            </a:r>
+            <a:r>
+              <a:rPr lang="mr-IN" dirty="0">
+                <a:solidFill>
+                  <a:srgbClr val="FF0000"/>
+                </a:solidFill>
+                <a:latin typeface="Consolas" charset="0"/>
+              </a:rPr>
+              <a:t>9</a:t>
+            </a:r>
+            <a:r>
+              <a:rPr lang="mr-IN" dirty="0" smtClean="0">
+                <a:solidFill>
+                  <a:srgbClr val="000000"/>
+                </a:solidFill>
+                <a:latin typeface="Consolas" charset="0"/>
+              </a:rPr>
+              <a:t>)</a:t>
+            </a:r>
+            <a:r>
+              <a:rPr lang="en-US" dirty="0">
+                <a:solidFill>
+                  <a:srgbClr val="000000"/>
+                </a:solidFill>
+                <a:latin typeface="Consolas" charset="0"/>
+              </a:rPr>
+              <a:t> </a:t>
+            </a:r>
+            <a:r>
+              <a:rPr lang="en-US" dirty="0" smtClean="0">
+                <a:solidFill>
+                  <a:srgbClr val="000000"/>
+                </a:solidFill>
+                <a:latin typeface="Consolas" charset="0"/>
+              </a:rPr>
+              <a:t> # False</a:t>
+            </a:r>
+            <a:r>
+              <a:rPr lang="mr-IN" dirty="0"/>
+              <a:t/>
+            </a:r>
+            <a:br>
+              <a:rPr lang="mr-IN" dirty="0"/>
+            </a:br>
+            <a:r>
+              <a:rPr lang="mr-IN" dirty="0" err="1">
+                <a:solidFill>
+                  <a:srgbClr val="0000CD"/>
+                </a:solidFill>
+                <a:latin typeface="Consolas" charset="0"/>
+              </a:rPr>
+              <a:t>print</a:t>
+            </a:r>
+            <a:r>
+              <a:rPr lang="mr-IN" dirty="0">
+                <a:solidFill>
+                  <a:srgbClr val="000000"/>
+                </a:solidFill>
+                <a:latin typeface="Consolas" charset="0"/>
+              </a:rPr>
+              <a:t>(</a:t>
+            </a:r>
+            <a:r>
+              <a:rPr lang="mr-IN" dirty="0">
+                <a:solidFill>
+                  <a:srgbClr val="FF0000"/>
+                </a:solidFill>
+                <a:latin typeface="Consolas" charset="0"/>
+              </a:rPr>
+              <a:t>10</a:t>
+            </a:r>
+            <a:r>
+              <a:rPr lang="mr-IN" dirty="0">
+                <a:solidFill>
+                  <a:srgbClr val="000000"/>
+                </a:solidFill>
+                <a:latin typeface="Consolas" charset="0"/>
+              </a:rPr>
+              <a:t> &lt; </a:t>
+            </a:r>
+            <a:r>
+              <a:rPr lang="mr-IN" dirty="0">
+                <a:solidFill>
+                  <a:srgbClr val="FF0000"/>
+                </a:solidFill>
+                <a:latin typeface="Consolas" charset="0"/>
+              </a:rPr>
+              <a:t>9</a:t>
+            </a:r>
+            <a:r>
+              <a:rPr lang="mr-IN" dirty="0" smtClean="0">
+                <a:solidFill>
+                  <a:srgbClr val="000000"/>
+                </a:solidFill>
+                <a:latin typeface="Consolas" charset="0"/>
+              </a:rPr>
+              <a:t>)</a:t>
+            </a:r>
+            <a:r>
+              <a:rPr lang="en-US" dirty="0" smtClean="0">
+                <a:solidFill>
+                  <a:srgbClr val="000000"/>
+                </a:solidFill>
+                <a:latin typeface="Consolas" charset="0"/>
+              </a:rPr>
+              <a:t>   # </a:t>
+            </a:r>
+            <a:r>
+              <a:rPr lang="en-US" dirty="0">
+                <a:solidFill>
+                  <a:srgbClr val="000000"/>
+                </a:solidFill>
+                <a:latin typeface="Consolas" charset="0"/>
+              </a:rPr>
+              <a:t>False</a:t>
+            </a:r>
+            <a:endParaRPr lang="en-US" dirty="0"/>
+          </a:p>
+        </p:txBody>
+      </p:sp>
+      <p:sp>
+        <p:nvSpPr>
+          <p:cNvPr id="15" name="Rectangle 14"/>
+          <p:cNvSpPr/>
+          <p:nvPr/>
+        </p:nvSpPr>
+        <p:spPr>
+          <a:xfrm>
+            <a:off x="630828" y="3983078"/>
+            <a:ext cx="6055056" cy="369332"/>
+          </a:xfrm>
+          <a:prstGeom prst="rect">
+            <a:avLst/>
+          </a:prstGeom>
+        </p:spPr>
+        <p:txBody>
+          <a:bodyPr wrap="none">
+            <a:spAutoFit/>
+          </a:bodyPr>
+          <a:lstStyle/>
+          <a:p>
+            <a:r>
+              <a:rPr lang="en-US" dirty="0" smtClean="0">
+                <a:solidFill>
+                  <a:srgbClr val="000000"/>
+                </a:solidFill>
                 <a:latin typeface="Verdana" charset="0"/>
               </a:rPr>
-              <a:t>from other data type.</a:t>
-            </a:r>
-            <a:endParaRPr lang="en-US" sz="2000" b="0" i="0" u="none" strike="noStrike" dirty="0">
-              <a:solidFill>
-                <a:srgbClr val="000000"/>
-              </a:solidFill>
-              <a:effectLst/>
-              <a:latin typeface="Verdana" charset="0"/>
-            </a:endParaRPr>
+              <a:t>Question: what will be printed out? True or False? </a:t>
+            </a:r>
+            <a:endParaRPr lang="en-US" dirty="0"/>
           </a:p>
         </p:txBody>
       </p:sp>
     </p:spTree>
     <p:extLst>
       <p:ext uri="{BB962C8B-B14F-4D97-AF65-F5344CB8AC3E}">
-        <p14:creationId xmlns:p14="http://schemas.microsoft.com/office/powerpoint/2010/main" val="1412220642"/>
+        <p14:creationId xmlns:p14="http://schemas.microsoft.com/office/powerpoint/2010/main" val="1042573204"/>
       </p:ext>
     </p:extLst>
   </p:cSld>
@@ -9815,7 +9607,7 @@
           <a:p>
             <a:r>
               <a:rPr lang="en-US" dirty="0" smtClean="0"/>
-              <a:t>Operators</a:t>
+              <a:t>Change data type of variables</a:t>
             </a:r>
             <a:endParaRPr lang="en-US" dirty="0"/>
           </a:p>
@@ -9916,7 +9708,7 @@
         <p:spPr>
           <a:xfrm>
             <a:off x="193650" y="2319767"/>
-            <a:ext cx="5354534" cy="646331"/>
+            <a:ext cx="5691870" cy="461665"/>
           </a:xfrm>
           <a:prstGeom prst="rect">
             <a:avLst/>
@@ -9933,13 +9725,14 @@
               <a:buChar char="•"/>
             </a:pPr>
             <a:r>
-              <a:rPr lang="en-US" b="1" dirty="0"/>
-              <a:t>Operators</a:t>
-            </a:r>
-            <a:r>
-              <a:rPr lang="en-US" dirty="0"/>
-              <a:t> are used to perform operations on variables and values.</a:t>
-            </a:r>
+              <a:rPr lang="en-US" sz="2400" dirty="0"/>
+              <a:t>using constructor </a:t>
+            </a:r>
+            <a:r>
+              <a:rPr lang="en-US" sz="2400" dirty="0" smtClean="0"/>
+              <a:t>functions:</a:t>
+            </a:r>
+            <a:endParaRPr lang="en-US" sz="2400" dirty="0"/>
           </a:p>
         </p:txBody>
       </p:sp>
@@ -9983,8 +9776,8 @@
         </p:nvSpPr>
         <p:spPr>
           <a:xfrm>
-            <a:off x="7337310" y="2824578"/>
-            <a:ext cx="3341021" cy="1994558"/>
+            <a:off x="7226255" y="2729385"/>
+            <a:ext cx="4514231" cy="3555232"/>
           </a:xfrm>
           <a:prstGeom prst="rect">
             <a:avLst/>
@@ -10194,263 +9987,306 @@
           </a:lstStyle>
           <a:p>
             <a:r>
-              <a:rPr lang="mr-IN" dirty="0" err="1"/>
-              <a:t>x</a:t>
-            </a:r>
-            <a:r>
-              <a:rPr lang="mr-IN" dirty="0"/>
-              <a:t> = </a:t>
-            </a:r>
+              <a:rPr lang="en-US" dirty="0" smtClean="0">
+                <a:solidFill>
+                  <a:srgbClr val="FF0000"/>
+                </a:solidFill>
+              </a:rPr>
+              <a:t>num4age = </a:t>
+            </a:r>
+            <a:r>
+              <a:rPr lang="en-US" dirty="0" err="1" smtClean="0">
+                <a:solidFill>
+                  <a:srgbClr val="FF0000"/>
+                </a:solidFill>
+              </a:rPr>
+              <a:t>int</a:t>
+            </a:r>
+            <a:r>
+              <a:rPr lang="en-US" dirty="0" smtClean="0">
+                <a:solidFill>
+                  <a:srgbClr val="FF0000"/>
+                </a:solidFill>
+              </a:rPr>
+              <a:t>(string4age)</a:t>
+            </a:r>
+          </a:p>
+          <a:p>
             <a:r>
               <a:rPr lang="en-US" dirty="0" smtClean="0"/>
-              <a:t>5</a:t>
-            </a:r>
-            <a:endParaRPr lang="mr-IN" dirty="0"/>
-          </a:p>
-          <a:p>
-            <a:r>
-              <a:rPr lang="mr-IN" dirty="0" err="1"/>
-              <a:t>y</a:t>
-            </a:r>
-            <a:r>
-              <a:rPr lang="mr-IN" dirty="0"/>
-              <a:t> = </a:t>
-            </a:r>
+              <a:t>print(type(string4age</a:t>
+            </a:r>
+            <a:r>
+              <a:rPr lang="en-US" dirty="0"/>
+              <a:t>))</a:t>
+            </a:r>
+          </a:p>
+          <a:p>
             <a:r>
               <a:rPr lang="en-US" dirty="0" smtClean="0"/>
-              <a:t>3</a:t>
-            </a:r>
-            <a:endParaRPr lang="mr-IN" dirty="0"/>
-          </a:p>
-          <a:p>
-            <a:r>
-              <a:rPr lang="mr-IN" dirty="0" err="1"/>
-              <a:t>z</a:t>
-            </a:r>
-            <a:r>
-              <a:rPr lang="mr-IN" dirty="0"/>
-              <a:t> = </a:t>
-            </a:r>
-            <a:r>
-              <a:rPr lang="mr-IN" dirty="0" err="1"/>
-              <a:t>x</a:t>
-            </a:r>
-            <a:r>
-              <a:rPr lang="mr-IN" dirty="0"/>
-              <a:t> </a:t>
-            </a:r>
-            <a:r>
-              <a:rPr lang="en-US" dirty="0" smtClean="0"/>
-              <a:t>+ y</a:t>
-            </a:r>
-            <a:endParaRPr lang="mr-IN" dirty="0"/>
-          </a:p>
-          <a:p>
-            <a:r>
-              <a:rPr lang="mr-IN" dirty="0" err="1"/>
-              <a:t>print</a:t>
-            </a:r>
-            <a:r>
-              <a:rPr lang="mr-IN" dirty="0"/>
+              <a:t>print(type(num4age))</a:t>
+            </a:r>
+          </a:p>
+          <a:p>
+            <a:endParaRPr lang="en-US" dirty="0"/>
+          </a:p>
+          <a:p>
+            <a:r>
+              <a:rPr lang="en-US" dirty="0" smtClean="0">
+                <a:solidFill>
+                  <a:srgbClr val="000000"/>
+                </a:solidFill>
+                <a:latin typeface="Consolas" charset="0"/>
+              </a:rPr>
+              <a:t>x = </a:t>
+            </a:r>
+            <a:r>
+              <a:rPr lang="en-US" dirty="0" err="1" smtClean="0">
+                <a:solidFill>
+                  <a:srgbClr val="0000CD"/>
+                </a:solidFill>
+                <a:latin typeface="Consolas" charset="0"/>
+              </a:rPr>
+              <a:t>str</a:t>
+            </a:r>
+            <a:r>
+              <a:rPr lang="en-US" dirty="0" smtClean="0">
+                <a:solidFill>
+                  <a:srgbClr val="000000"/>
+                </a:solidFill>
+                <a:latin typeface="Consolas" charset="0"/>
+              </a:rPr>
               <a:t>(</a:t>
             </a:r>
             <a:r>
-              <a:rPr lang="mr-IN" dirty="0" err="1"/>
-              <a:t>z</a:t>
-            </a:r>
-            <a:r>
-              <a:rPr lang="mr-IN" dirty="0"/>
-              <a:t>)</a:t>
-            </a:r>
-          </a:p>
-        </p:txBody>
-      </p:sp>
-      <p:sp>
-        <p:nvSpPr>
-          <p:cNvPr id="5" name="Rectangle 4"/>
+              <a:rPr lang="en-US" dirty="0" smtClean="0">
+                <a:solidFill>
+                  <a:srgbClr val="A52A2A"/>
+                </a:solidFill>
+                <a:latin typeface="Consolas" charset="0"/>
+              </a:rPr>
+              <a:t>"s1"</a:t>
+            </a:r>
+            <a:r>
+              <a:rPr lang="en-US" dirty="0" smtClean="0">
+                <a:solidFill>
+                  <a:srgbClr val="000000"/>
+                </a:solidFill>
+                <a:latin typeface="Consolas" charset="0"/>
+              </a:rPr>
+              <a:t>) </a:t>
+            </a:r>
+            <a:r>
+              <a:rPr lang="en-US" dirty="0" smtClean="0">
+                <a:solidFill>
+                  <a:srgbClr val="008000"/>
+                </a:solidFill>
+                <a:latin typeface="Consolas" charset="0"/>
+              </a:rPr>
+              <a:t># x will be 's1’</a:t>
+            </a:r>
+          </a:p>
+          <a:p>
+            <a:r>
+              <a:rPr lang="en-US" dirty="0" smtClean="0">
+                <a:solidFill>
+                  <a:srgbClr val="000000"/>
+                </a:solidFill>
+                <a:latin typeface="Consolas" charset="0"/>
+              </a:rPr>
+              <a:t>y = </a:t>
+            </a:r>
+            <a:r>
+              <a:rPr lang="en-US" dirty="0" err="1" smtClean="0">
+                <a:solidFill>
+                  <a:srgbClr val="0000CD"/>
+                </a:solidFill>
+                <a:latin typeface="Consolas" charset="0"/>
+              </a:rPr>
+              <a:t>str</a:t>
+            </a:r>
+            <a:r>
+              <a:rPr lang="en-US" dirty="0" smtClean="0">
+                <a:solidFill>
+                  <a:srgbClr val="000000"/>
+                </a:solidFill>
+                <a:latin typeface="Consolas" charset="0"/>
+              </a:rPr>
+              <a:t>(</a:t>
+            </a:r>
+            <a:r>
+              <a:rPr lang="en-US" dirty="0" smtClean="0">
+                <a:solidFill>
+                  <a:srgbClr val="FF0000"/>
+                </a:solidFill>
+                <a:latin typeface="Consolas" charset="0"/>
+              </a:rPr>
+              <a:t>2</a:t>
+            </a:r>
+            <a:r>
+              <a:rPr lang="en-US" dirty="0" smtClean="0">
+                <a:solidFill>
+                  <a:srgbClr val="000000"/>
+                </a:solidFill>
+                <a:latin typeface="Consolas" charset="0"/>
+              </a:rPr>
+              <a:t>)    </a:t>
+            </a:r>
+            <a:r>
+              <a:rPr lang="en-US" dirty="0" smtClean="0">
+                <a:solidFill>
+                  <a:srgbClr val="008000"/>
+                </a:solidFill>
+                <a:latin typeface="Consolas" charset="0"/>
+              </a:rPr>
+              <a:t># y will be '2’</a:t>
+            </a:r>
+          </a:p>
+          <a:p>
+            <a:r>
+              <a:rPr lang="en-US" dirty="0" smtClean="0">
+                <a:solidFill>
+                  <a:srgbClr val="000000"/>
+                </a:solidFill>
+                <a:latin typeface="Consolas" charset="0"/>
+              </a:rPr>
+              <a:t>z = </a:t>
+            </a:r>
+            <a:r>
+              <a:rPr lang="en-US" dirty="0" err="1" smtClean="0">
+                <a:solidFill>
+                  <a:srgbClr val="0000CD"/>
+                </a:solidFill>
+                <a:latin typeface="Consolas" charset="0"/>
+              </a:rPr>
+              <a:t>str</a:t>
+            </a:r>
+            <a:r>
+              <a:rPr lang="en-US" dirty="0" smtClean="0">
+                <a:solidFill>
+                  <a:srgbClr val="000000"/>
+                </a:solidFill>
+                <a:latin typeface="Consolas" charset="0"/>
+              </a:rPr>
+              <a:t>(</a:t>
+            </a:r>
+            <a:r>
+              <a:rPr lang="en-US" dirty="0" smtClean="0">
+                <a:solidFill>
+                  <a:srgbClr val="FF0000"/>
+                </a:solidFill>
+                <a:latin typeface="Consolas" charset="0"/>
+              </a:rPr>
+              <a:t>3.0</a:t>
+            </a:r>
+            <a:r>
+              <a:rPr lang="en-US" dirty="0" smtClean="0">
+                <a:solidFill>
+                  <a:srgbClr val="000000"/>
+                </a:solidFill>
+                <a:latin typeface="Consolas" charset="0"/>
+              </a:rPr>
+              <a:t>)  </a:t>
+            </a:r>
+            <a:r>
+              <a:rPr lang="en-US" dirty="0" smtClean="0">
+                <a:solidFill>
+                  <a:srgbClr val="008000"/>
+                </a:solidFill>
+                <a:latin typeface="Consolas" charset="0"/>
+              </a:rPr>
+              <a:t># z will be '3.0'</a:t>
+            </a:r>
+            <a:endParaRPr lang="en-US" dirty="0"/>
+          </a:p>
+        </p:txBody>
+      </p:sp>
+      <p:sp>
+        <p:nvSpPr>
+          <p:cNvPr id="3" name="Rectangle 2"/>
           <p:cNvSpPr/>
           <p:nvPr/>
         </p:nvSpPr>
         <p:spPr>
           <a:xfrm>
-            <a:off x="377779" y="4107194"/>
-            <a:ext cx="4319709" cy="369332"/>
+            <a:off x="205163" y="3281680"/>
+            <a:ext cx="5527980" cy="1938992"/>
           </a:xfrm>
           <a:prstGeom prst="rect">
             <a:avLst/>
           </a:prstGeom>
         </p:spPr>
         <p:txBody>
-          <a:bodyPr wrap="none">
+          <a:bodyPr wrap="square">
             <a:spAutoFit/>
           </a:bodyPr>
           <a:lstStyle/>
           <a:p>
-            <a:r>
-              <a:rPr lang="en-US" dirty="0" smtClean="0">
+            <a:pPr>
+              <a:buFont typeface="Arial" charset="0"/>
+              <a:buChar char="•"/>
+            </a:pPr>
+            <a:r>
+              <a:rPr lang="en-US" sz="2000" dirty="0" smtClean="0">
+                <a:solidFill>
+                  <a:srgbClr val="DC143C"/>
+                </a:solidFill>
+                <a:latin typeface="Consolas" charset="0"/>
+              </a:rPr>
+              <a:t> </a:t>
+            </a:r>
+            <a:r>
+              <a:rPr lang="en-US" sz="2000" dirty="0" err="1" smtClean="0">
+                <a:solidFill>
+                  <a:srgbClr val="DC143C"/>
+                </a:solidFill>
+                <a:latin typeface="Consolas" charset="0"/>
+              </a:rPr>
+              <a:t>int</a:t>
+            </a:r>
+            <a:r>
+              <a:rPr lang="en-US" sz="2000" dirty="0" smtClean="0">
+                <a:solidFill>
+                  <a:srgbClr val="DC143C"/>
+                </a:solidFill>
+                <a:latin typeface="Consolas" charset="0"/>
+              </a:rPr>
+              <a:t>()</a:t>
+            </a:r>
+            <a:r>
+              <a:rPr lang="en-US" sz="2000" dirty="0" smtClean="0">
                 <a:solidFill>
                   <a:srgbClr val="000000"/>
                 </a:solidFill>
                 <a:latin typeface="Verdana" charset="0"/>
               </a:rPr>
-              <a:t>- common </a:t>
-            </a:r>
-            <a:r>
-              <a:rPr lang="en-US" dirty="0">
+              <a:t>: constructs </a:t>
+            </a:r>
+            <a:r>
+              <a:rPr lang="en-US" sz="2000" dirty="0">
                 <a:solidFill>
                   <a:srgbClr val="000000"/>
                 </a:solidFill>
                 <a:latin typeface="Verdana" charset="0"/>
               </a:rPr>
-              <a:t>mathematical operations</a:t>
-            </a:r>
-            <a:endParaRPr lang="en-US" dirty="0"/>
-          </a:p>
-        </p:txBody>
-      </p:sp>
-      <p:sp>
-        <p:nvSpPr>
-          <p:cNvPr id="7" name="Rectangle 6"/>
-          <p:cNvSpPr/>
-          <p:nvPr/>
-        </p:nvSpPr>
-        <p:spPr>
-          <a:xfrm>
-            <a:off x="572155" y="4717692"/>
-            <a:ext cx="2013693" cy="1200329"/>
-          </a:xfrm>
-          <a:prstGeom prst="rect">
-            <a:avLst/>
-          </a:prstGeom>
-        </p:spPr>
-        <p:txBody>
-          <a:bodyPr wrap="none">
-            <a:spAutoFit/>
-          </a:bodyPr>
-          <a:lstStyle/>
-          <a:p>
-            <a:r>
-              <a:rPr lang="en-US" dirty="0" smtClean="0">
+              <a:t>an integer number from </a:t>
+            </a:r>
+            <a:r>
+              <a:rPr lang="en-US" sz="2000" dirty="0" smtClean="0">
                 <a:solidFill>
                   <a:srgbClr val="000000"/>
                 </a:solidFill>
                 <a:latin typeface="Verdana" charset="0"/>
               </a:rPr>
-              <a:t>Addition (+)</a:t>
-            </a:r>
-          </a:p>
-          <a:p>
-            <a:r>
-              <a:rPr lang="en-US" dirty="0" smtClean="0"/>
-              <a:t>Subtraction (-)</a:t>
-            </a:r>
-          </a:p>
-          <a:p>
-            <a:r>
-              <a:rPr lang="en-US" dirty="0" smtClean="0"/>
-              <a:t>Multiplication (*)</a:t>
-            </a:r>
-          </a:p>
-          <a:p>
-            <a:r>
-              <a:rPr lang="en-US" dirty="0" smtClean="0"/>
-              <a:t>Division (/)</a:t>
-            </a:r>
-            <a:endParaRPr lang="en-US" dirty="0"/>
-          </a:p>
-        </p:txBody>
-      </p:sp>
-      <p:sp>
-        <p:nvSpPr>
-          <p:cNvPr id="11" name="Rectangle 10"/>
-          <p:cNvSpPr/>
-          <p:nvPr/>
-        </p:nvSpPr>
-        <p:spPr>
-          <a:xfrm>
-            <a:off x="371689" y="3080326"/>
-            <a:ext cx="2837636" cy="369332"/>
-          </a:xfrm>
-          <a:prstGeom prst="rect">
-            <a:avLst/>
-          </a:prstGeom>
-        </p:spPr>
-        <p:txBody>
-          <a:bodyPr wrap="none">
-            <a:spAutoFit/>
-          </a:bodyPr>
-          <a:lstStyle/>
-          <a:p>
-            <a:r>
-              <a:rPr lang="en-US" dirty="0" smtClean="0">
-                <a:solidFill>
-                  <a:srgbClr val="000000"/>
-                </a:solidFill>
-                <a:latin typeface="Verdana" charset="0"/>
-              </a:rPr>
-              <a:t>- </a:t>
-            </a:r>
-            <a:r>
-              <a:rPr lang="en-US"/>
-              <a:t>Assignment </a:t>
-            </a:r>
-            <a:r>
-              <a:rPr lang="en-US" smtClean="0"/>
-              <a:t>Operators</a:t>
-            </a:r>
-            <a:endParaRPr lang="en-US" dirty="0"/>
-          </a:p>
-        </p:txBody>
-      </p:sp>
-      <p:sp>
-        <p:nvSpPr>
-          <p:cNvPr id="9" name="Rectangle 8"/>
-          <p:cNvSpPr/>
-          <p:nvPr/>
-        </p:nvSpPr>
-        <p:spPr>
-          <a:xfrm>
-            <a:off x="4114256" y="3227408"/>
-            <a:ext cx="681597" cy="646331"/>
-          </a:xfrm>
-          <a:prstGeom prst="rect">
-            <a:avLst/>
-          </a:prstGeom>
-        </p:spPr>
-        <p:txBody>
-          <a:bodyPr wrap="none">
-            <a:spAutoFit/>
-          </a:bodyPr>
-          <a:lstStyle/>
-          <a:p>
-            <a:r>
-              <a:rPr lang="mr-IN" dirty="0" err="1">
-                <a:solidFill>
-                  <a:srgbClr val="000000"/>
-                </a:solidFill>
-                <a:latin typeface="Verdana" charset="0"/>
-              </a:rPr>
-              <a:t>x</a:t>
-            </a:r>
-            <a:r>
-              <a:rPr lang="mr-IN" dirty="0">
-                <a:solidFill>
-                  <a:srgbClr val="000000"/>
-                </a:solidFill>
-                <a:latin typeface="Verdana" charset="0"/>
-              </a:rPr>
-              <a:t> = </a:t>
-            </a:r>
-            <a:r>
-              <a:rPr lang="mr-IN" dirty="0" smtClean="0">
-                <a:solidFill>
-                  <a:srgbClr val="000000"/>
-                </a:solidFill>
-                <a:latin typeface="Verdana" charset="0"/>
-              </a:rPr>
-              <a:t>5</a:t>
-            </a:r>
-            <a:endParaRPr lang="en-US" dirty="0" smtClean="0">
+              <a:t>other data type.</a:t>
+            </a:r>
+          </a:p>
+          <a:p>
+            <a:pPr>
+              <a:buFont typeface="Arial" charset="0"/>
+              <a:buChar char="•"/>
+            </a:pPr>
+            <a:endParaRPr lang="en-US" sz="2000" dirty="0">
               <a:solidFill>
                 <a:srgbClr val="000000"/>
               </a:solidFill>
@@ -10458,91 +10294,76 @@
             </a:endParaRPr>
           </a:p>
           <a:p>
-            <a:r>
-              <a:rPr lang="en-US" dirty="0" smtClean="0">
+            <a:pPr>
+              <a:buFont typeface="Arial" charset="0"/>
+              <a:buChar char="•"/>
+            </a:pPr>
+            <a:endParaRPr lang="en-US" sz="2000" dirty="0" smtClean="0">
+              <a:solidFill>
+                <a:srgbClr val="000000"/>
+              </a:solidFill>
+              <a:latin typeface="Verdana" charset="0"/>
+            </a:endParaRPr>
+          </a:p>
+          <a:p>
+            <a:pPr>
+              <a:buFont typeface="Arial" charset="0"/>
+              <a:buChar char="•"/>
+            </a:pPr>
+            <a:r>
+              <a:rPr lang="en-US" sz="2000" dirty="0">
                 <a:solidFill>
                   <a:srgbClr val="000000"/>
                 </a:solidFill>
                 <a:latin typeface="Verdana" charset="0"/>
               </a:rPr>
-              <a:t>y=3</a:t>
-            </a:r>
-            <a:endParaRPr lang="en-US" dirty="0"/>
-          </a:p>
-        </p:txBody>
-      </p:sp>
-      <p:sp>
-        <p:nvSpPr>
-          <p:cNvPr id="10" name="Rectangle 9"/>
-          <p:cNvSpPr/>
-          <p:nvPr/>
-        </p:nvSpPr>
-        <p:spPr>
-          <a:xfrm>
-            <a:off x="510415" y="3449658"/>
-            <a:ext cx="3248903" cy="369332"/>
-          </a:xfrm>
-          <a:prstGeom prst="rect">
-            <a:avLst/>
-          </a:prstGeom>
-        </p:spPr>
-        <p:txBody>
-          <a:bodyPr wrap="none">
-            <a:spAutoFit/>
-          </a:bodyPr>
-          <a:lstStyle/>
-          <a:p>
-            <a:r>
-              <a:rPr lang="en-US" dirty="0">
+              <a:t> </a:t>
+            </a:r>
+            <a:r>
+              <a:rPr lang="en-US" sz="2000" dirty="0" err="1" smtClean="0">
+                <a:solidFill>
+                  <a:srgbClr val="DC143C"/>
+                </a:solidFill>
+                <a:latin typeface="Consolas" charset="0"/>
+              </a:rPr>
+              <a:t>str</a:t>
+            </a:r>
+            <a:r>
+              <a:rPr lang="en-US" sz="2000" dirty="0" smtClean="0">
+                <a:solidFill>
+                  <a:srgbClr val="DC143C"/>
+                </a:solidFill>
+                <a:latin typeface="Consolas" charset="0"/>
+              </a:rPr>
+              <a:t>(): </a:t>
+            </a:r>
+            <a:r>
+              <a:rPr lang="en-US" sz="2000" dirty="0"/>
+              <a:t>constructs a string from </a:t>
+            </a:r>
+            <a:r>
+              <a:rPr lang="en-US" sz="2000" dirty="0">
                 <a:solidFill>
                   <a:srgbClr val="000000"/>
                 </a:solidFill>
                 <a:latin typeface="Verdana" charset="0"/>
               </a:rPr>
-              <a:t> assign values to variables</a:t>
-            </a:r>
-            <a:endParaRPr lang="en-US" dirty="0"/>
-          </a:p>
-        </p:txBody>
-      </p:sp>
-      <p:sp>
-        <p:nvSpPr>
-          <p:cNvPr id="12" name="Rectangle 11"/>
-          <p:cNvSpPr/>
-          <p:nvPr/>
-        </p:nvSpPr>
-        <p:spPr>
-          <a:xfrm>
-            <a:off x="4074028" y="4967667"/>
-            <a:ext cx="809837" cy="369332"/>
-          </a:xfrm>
-          <a:prstGeom prst="rect">
-            <a:avLst/>
-          </a:prstGeom>
-        </p:spPr>
-        <p:txBody>
-          <a:bodyPr wrap="none">
-            <a:spAutoFit/>
-          </a:bodyPr>
-          <a:lstStyle/>
-          <a:p>
-            <a:r>
-              <a:rPr lang="en-US">
-                <a:solidFill>
-                  <a:srgbClr val="000000"/>
-                </a:solidFill>
-                <a:latin typeface="Verdana" charset="0"/>
-              </a:rPr>
-              <a:t>x + y</a:t>
-            </a:r>
-            <a:endParaRPr lang="en-US"/>
+              <a:t>from other data type.</a:t>
+            </a:r>
+            <a:endParaRPr lang="en-US" sz="2000" b="0" i="0" u="none" strike="noStrike" dirty="0">
+              <a:solidFill>
+                <a:srgbClr val="000000"/>
+              </a:solidFill>
+              <a:effectLst/>
+              <a:latin typeface="Verdana" charset="0"/>
+            </a:endParaRPr>
           </a:p>
         </p:txBody>
       </p:sp>
     </p:spTree>
     <p:extLst>
       <p:ext uri="{BB962C8B-B14F-4D97-AF65-F5344CB8AC3E}">
-        <p14:creationId xmlns:p14="http://schemas.microsoft.com/office/powerpoint/2010/main" val="213261017"/>
+        <p14:creationId xmlns:p14="http://schemas.microsoft.com/office/powerpoint/2010/main" val="1412220642"/>
       </p:ext>
     </p:extLst>
   </p:cSld>
@@ -10603,8 +10424,8 @@
           <a:lstStyle/>
           <a:p>
             <a:r>
-              <a:rPr lang="en-US" dirty="0"/>
-              <a:t>Booleans</a:t>
+              <a:rPr lang="en-US" dirty="0" smtClean="0"/>
+              <a:t>Operators</a:t>
             </a:r>
             <a:endParaRPr lang="en-US" dirty="0"/>
           </a:p>
@@ -10723,35 +10544,11 @@
             </a:pPr>
             <a:r>
               <a:rPr lang="en-US" b="1" dirty="0"/>
-              <a:t>Booleans</a:t>
+              <a:t>Operators</a:t>
             </a:r>
             <a:r>
               <a:rPr lang="en-US" dirty="0"/>
-              <a:t> represent one of two values: </a:t>
-            </a:r>
-            <a:r>
-              <a:rPr lang="en-US" dirty="0">
-                <a:solidFill>
-                  <a:srgbClr val="FF0000"/>
-                </a:solidFill>
-              </a:rPr>
-              <a:t>True</a:t>
-            </a:r>
-            <a:r>
-              <a:rPr lang="en-US" dirty="0"/>
-              <a:t> or </a:t>
-            </a:r>
-            <a:r>
-              <a:rPr lang="en-US" dirty="0">
-                <a:solidFill>
-                  <a:srgbClr val="FF0000"/>
-                </a:solidFill>
-              </a:rPr>
-              <a:t>False</a:t>
-            </a:r>
-            <a:r>
-              <a:rPr lang="en-US" dirty="0"/>
-              <a:t>.</a:t>
+              <a:t> are used to perform operations on variables and values.</a:t>
             </a:r>
           </a:p>
         </p:txBody>
@@ -10782,14 +10579,449 @@
       </p:pic>
       <p:sp>
         <p:nvSpPr>
+          <p:cNvPr id="20" name="Content Placeholder 2">
+            <a:extLst>
+              <a:ext uri="{FF2B5EF4-FFF2-40B4-BE49-F238E27FC236}">
+                <a16:creationId xmlns="" xmlns:a16="http://schemas.microsoft.com/office/drawing/2014/main" id="{AAC43A36-3820-8644-A359-5868F70E4EB9}"/>
+              </a:ext>
+            </a:extLst>
+          </p:cNvPr>
+          <p:cNvSpPr txBox="1">
+            <a:spLocks/>
+          </p:cNvSpPr>
+          <p:nvPr/>
+        </p:nvSpPr>
+        <p:spPr>
+          <a:xfrm>
+            <a:off x="7337310" y="2824578"/>
+            <a:ext cx="3341021" cy="1994558"/>
+          </a:xfrm>
+          <a:prstGeom prst="rect">
+            <a:avLst/>
+          </a:prstGeom>
+          <a:effectLst>
+            <a:outerShdw blurRad="50800" dir="14400000">
+              <a:srgbClr val="000000">
+                <a:alpha val="40000"/>
+              </a:srgbClr>
+            </a:outerShdw>
+          </a:effectLst>
+        </p:spPr>
+        <p:txBody>
+          <a:bodyPr vert="horz" lIns="91440" tIns="45720" rIns="91440" bIns="45720" rtlCol="0" anchor="ctr">
+            <a:normAutofit/>
+          </a:bodyPr>
+          <a:lstStyle>
+            <a:lvl1pPr marL="342900" indent="-342900" algn="l" defTabSz="457200" rtl="0" eaLnBrk="1" latinLnBrk="0" hangingPunct="1">
+              <a:spcBef>
+                <a:spcPct val="20000"/>
+              </a:spcBef>
+              <a:spcAft>
+                <a:spcPts val="600"/>
+              </a:spcAft>
+              <a:buClr>
+                <a:schemeClr val="accent1"/>
+              </a:buClr>
+              <a:buFont typeface="Wingdings 2" charset="2"/>
+              <a:buChar char=""/>
+              <a:defRPr sz="1800" kern="1200">
+                <a:solidFill>
+                  <a:schemeClr val="tx1"/>
+                </a:solidFill>
+                <a:latin typeface="+mn-lt"/>
+                <a:ea typeface="+mn-ea"/>
+                <a:cs typeface="+mn-cs"/>
+              </a:defRPr>
+            </a:lvl1pPr>
+            <a:lvl2pPr marL="742950" indent="-285750" algn="l" defTabSz="457200" rtl="0" eaLnBrk="1" latinLnBrk="0" hangingPunct="1">
+              <a:spcBef>
+                <a:spcPct val="20000"/>
+              </a:spcBef>
+              <a:spcAft>
+                <a:spcPts val="600"/>
+              </a:spcAft>
+              <a:buClr>
+                <a:schemeClr val="accent1"/>
+              </a:buClr>
+              <a:buFont typeface="Wingdings 2" charset="2"/>
+              <a:buChar char=""/>
+              <a:defRPr sz="1600" kern="1200">
+                <a:solidFill>
+                  <a:schemeClr val="tx1"/>
+                </a:solidFill>
+                <a:latin typeface="+mn-lt"/>
+                <a:ea typeface="+mn-ea"/>
+                <a:cs typeface="+mn-cs"/>
+              </a:defRPr>
+            </a:lvl2pPr>
+            <a:lvl3pPr marL="1143000" indent="-228600" algn="l" defTabSz="457200" rtl="0" eaLnBrk="1" latinLnBrk="0" hangingPunct="1">
+              <a:spcBef>
+                <a:spcPct val="20000"/>
+              </a:spcBef>
+              <a:spcAft>
+                <a:spcPts val="600"/>
+              </a:spcAft>
+              <a:buClr>
+                <a:schemeClr val="accent1"/>
+              </a:buClr>
+              <a:buFont typeface="Wingdings 2" charset="2"/>
+              <a:buChar char=""/>
+              <a:defRPr sz="1400" kern="1200">
+                <a:solidFill>
+                  <a:schemeClr val="tx1"/>
+                </a:solidFill>
+                <a:latin typeface="+mn-lt"/>
+                <a:ea typeface="+mn-ea"/>
+                <a:cs typeface="+mn-cs"/>
+              </a:defRPr>
+            </a:lvl3pPr>
+            <a:lvl4pPr marL="1600200" indent="-228600" algn="l" defTabSz="457200" rtl="0" eaLnBrk="1" latinLnBrk="0" hangingPunct="1">
+              <a:spcBef>
+                <a:spcPct val="20000"/>
+              </a:spcBef>
+              <a:spcAft>
+                <a:spcPts val="600"/>
+              </a:spcAft>
+              <a:buClr>
+                <a:schemeClr val="accent1"/>
+              </a:buClr>
+              <a:buFont typeface="Wingdings 2" charset="2"/>
+              <a:buChar char=""/>
+              <a:defRPr sz="1200" kern="1200">
+                <a:solidFill>
+                  <a:schemeClr val="tx1"/>
+                </a:solidFill>
+                <a:latin typeface="+mn-lt"/>
+                <a:ea typeface="+mn-ea"/>
+                <a:cs typeface="+mn-cs"/>
+              </a:defRPr>
+            </a:lvl4pPr>
+            <a:lvl5pPr marL="2057400" indent="-228600" algn="l" defTabSz="457200" rtl="0" eaLnBrk="1" latinLnBrk="0" hangingPunct="1">
+              <a:spcBef>
+                <a:spcPct val="20000"/>
+              </a:spcBef>
+              <a:spcAft>
+                <a:spcPts val="600"/>
+              </a:spcAft>
+              <a:buClr>
+                <a:schemeClr val="accent1"/>
+              </a:buClr>
+              <a:buFont typeface="Wingdings 2" charset="2"/>
+              <a:buChar char=""/>
+              <a:defRPr sz="1200" kern="1200">
+                <a:solidFill>
+                  <a:schemeClr val="tx1"/>
+                </a:solidFill>
+                <a:latin typeface="+mn-lt"/>
+                <a:ea typeface="+mn-ea"/>
+                <a:cs typeface="+mn-cs"/>
+              </a:defRPr>
+            </a:lvl5pPr>
+            <a:lvl6pPr marL="2400000" indent="-228600" algn="l" defTabSz="457200" rtl="0" eaLnBrk="1" latinLnBrk="0" hangingPunct="1">
+              <a:spcBef>
+                <a:spcPct val="20000"/>
+              </a:spcBef>
+              <a:spcAft>
+                <a:spcPts val="600"/>
+              </a:spcAft>
+              <a:buClr>
+                <a:schemeClr val="accent1"/>
+              </a:buClr>
+              <a:buFont typeface="Wingdings 2" charset="2"/>
+              <a:buChar char=""/>
+              <a:defRPr sz="1200" kern="1200">
+                <a:solidFill>
+                  <a:schemeClr val="tx1"/>
+                </a:solidFill>
+                <a:latin typeface="+mn-lt"/>
+                <a:ea typeface="+mn-ea"/>
+                <a:cs typeface="+mn-cs"/>
+              </a:defRPr>
+            </a:lvl6pPr>
+            <a:lvl7pPr marL="2800000" indent="-228600" algn="l" defTabSz="457200" rtl="0" eaLnBrk="1" latinLnBrk="0" hangingPunct="1">
+              <a:spcBef>
+                <a:spcPct val="20000"/>
+              </a:spcBef>
+              <a:spcAft>
+                <a:spcPts val="600"/>
+              </a:spcAft>
+              <a:buClr>
+                <a:schemeClr val="accent1"/>
+              </a:buClr>
+              <a:buFont typeface="Wingdings 2" charset="2"/>
+              <a:buChar char=""/>
+              <a:defRPr sz="1200" kern="1200">
+                <a:solidFill>
+                  <a:schemeClr val="tx1"/>
+                </a:solidFill>
+                <a:latin typeface="+mn-lt"/>
+                <a:ea typeface="+mn-ea"/>
+                <a:cs typeface="+mn-cs"/>
+              </a:defRPr>
+            </a:lvl7pPr>
+            <a:lvl8pPr marL="3200000" indent="-228600" algn="l" defTabSz="457200" rtl="0" eaLnBrk="1" latinLnBrk="0" hangingPunct="1">
+              <a:spcBef>
+                <a:spcPct val="20000"/>
+              </a:spcBef>
+              <a:spcAft>
+                <a:spcPts val="600"/>
+              </a:spcAft>
+              <a:buClr>
+                <a:schemeClr val="accent1"/>
+              </a:buClr>
+              <a:buFont typeface="Wingdings 2" charset="2"/>
+              <a:buChar char=""/>
+              <a:defRPr sz="1200" kern="1200">
+                <a:solidFill>
+                  <a:schemeClr val="tx1"/>
+                </a:solidFill>
+                <a:latin typeface="+mn-lt"/>
+                <a:ea typeface="+mn-ea"/>
+                <a:cs typeface="+mn-cs"/>
+              </a:defRPr>
+            </a:lvl8pPr>
+            <a:lvl9pPr marL="3600000" indent="-228600" algn="l" defTabSz="457200" rtl="0" eaLnBrk="1" latinLnBrk="0" hangingPunct="1">
+              <a:spcBef>
+                <a:spcPct val="20000"/>
+              </a:spcBef>
+              <a:spcAft>
+                <a:spcPts val="600"/>
+              </a:spcAft>
+              <a:buClr>
+                <a:schemeClr val="accent1"/>
+              </a:buClr>
+              <a:buFont typeface="Wingdings 2" charset="2"/>
+              <a:buChar char=""/>
+              <a:defRPr sz="1200" kern="1200">
+                <a:solidFill>
+                  <a:schemeClr val="tx1"/>
+                </a:solidFill>
+                <a:latin typeface="+mn-lt"/>
+                <a:ea typeface="+mn-ea"/>
+                <a:cs typeface="+mn-cs"/>
+              </a:defRPr>
+            </a:lvl9pPr>
+          </a:lstStyle>
+          <a:p>
+            <a:r>
+              <a:rPr lang="mr-IN" dirty="0" err="1"/>
+              <a:t>x</a:t>
+            </a:r>
+            <a:r>
+              <a:rPr lang="mr-IN" dirty="0"/>
+              <a:t> = </a:t>
+            </a:r>
+            <a:r>
+              <a:rPr lang="en-US" dirty="0" smtClean="0"/>
+              <a:t>5</a:t>
+            </a:r>
+            <a:endParaRPr lang="mr-IN" dirty="0"/>
+          </a:p>
+          <a:p>
+            <a:r>
+              <a:rPr lang="mr-IN" dirty="0" err="1"/>
+              <a:t>y</a:t>
+            </a:r>
+            <a:r>
+              <a:rPr lang="mr-IN" dirty="0"/>
+              <a:t> = </a:t>
+            </a:r>
+            <a:r>
+              <a:rPr lang="en-US" dirty="0" smtClean="0"/>
+              <a:t>3</a:t>
+            </a:r>
+            <a:endParaRPr lang="mr-IN" dirty="0"/>
+          </a:p>
+          <a:p>
+            <a:r>
+              <a:rPr lang="mr-IN" dirty="0" err="1"/>
+              <a:t>z</a:t>
+            </a:r>
+            <a:r>
+              <a:rPr lang="mr-IN" dirty="0"/>
+              <a:t> = </a:t>
+            </a:r>
+            <a:r>
+              <a:rPr lang="mr-IN" dirty="0" err="1"/>
+              <a:t>x</a:t>
+            </a:r>
+            <a:r>
+              <a:rPr lang="mr-IN" dirty="0"/>
+              <a:t> </a:t>
+            </a:r>
+            <a:r>
+              <a:rPr lang="en-US" dirty="0" smtClean="0"/>
+              <a:t>+ y</a:t>
+            </a:r>
+            <a:endParaRPr lang="mr-IN" dirty="0"/>
+          </a:p>
+          <a:p>
+            <a:r>
+              <a:rPr lang="mr-IN" dirty="0" err="1"/>
+              <a:t>print</a:t>
+            </a:r>
+            <a:r>
+              <a:rPr lang="mr-IN" dirty="0"/>
+              <a:t>(</a:t>
+            </a:r>
+            <a:r>
+              <a:rPr lang="mr-IN" dirty="0" err="1"/>
+              <a:t>z</a:t>
+            </a:r>
+            <a:r>
+              <a:rPr lang="mr-IN" dirty="0"/>
+              <a:t>)</a:t>
+            </a:r>
+          </a:p>
+        </p:txBody>
+      </p:sp>
+      <p:sp>
+        <p:nvSpPr>
+          <p:cNvPr id="5" name="Rectangle 4"/>
+          <p:cNvSpPr/>
+          <p:nvPr/>
+        </p:nvSpPr>
+        <p:spPr>
+          <a:xfrm>
+            <a:off x="377779" y="4107194"/>
+            <a:ext cx="4319709" cy="369332"/>
+          </a:xfrm>
+          <a:prstGeom prst="rect">
+            <a:avLst/>
+          </a:prstGeom>
+        </p:spPr>
+        <p:txBody>
+          <a:bodyPr wrap="none">
+            <a:spAutoFit/>
+          </a:bodyPr>
+          <a:lstStyle/>
+          <a:p>
+            <a:r>
+              <a:rPr lang="en-US" dirty="0" smtClean="0">
+                <a:solidFill>
+                  <a:srgbClr val="000000"/>
+                </a:solidFill>
+                <a:latin typeface="Verdana" charset="0"/>
+              </a:rPr>
+              <a:t>- common </a:t>
+            </a:r>
+            <a:r>
+              <a:rPr lang="en-US" dirty="0">
+                <a:solidFill>
+                  <a:srgbClr val="000000"/>
+                </a:solidFill>
+                <a:latin typeface="Verdana" charset="0"/>
+              </a:rPr>
+              <a:t>mathematical operations</a:t>
+            </a:r>
+            <a:endParaRPr lang="en-US" dirty="0"/>
+          </a:p>
+        </p:txBody>
+      </p:sp>
+      <p:sp>
+        <p:nvSpPr>
+          <p:cNvPr id="7" name="Rectangle 6"/>
+          <p:cNvSpPr/>
+          <p:nvPr/>
+        </p:nvSpPr>
+        <p:spPr>
+          <a:xfrm>
+            <a:off x="572155" y="4717692"/>
+            <a:ext cx="2013693" cy="1200329"/>
+          </a:xfrm>
+          <a:prstGeom prst="rect">
+            <a:avLst/>
+          </a:prstGeom>
+        </p:spPr>
+        <p:txBody>
+          <a:bodyPr wrap="none">
+            <a:spAutoFit/>
+          </a:bodyPr>
+          <a:lstStyle/>
+          <a:p>
+            <a:r>
+              <a:rPr lang="en-US" dirty="0" smtClean="0">
+                <a:solidFill>
+                  <a:srgbClr val="000000"/>
+                </a:solidFill>
+                <a:latin typeface="Verdana" charset="0"/>
+              </a:rPr>
+              <a:t>Addition (+)</a:t>
+            </a:r>
+          </a:p>
+          <a:p>
+            <a:r>
+              <a:rPr lang="en-US" dirty="0" smtClean="0"/>
+              <a:t>Subtraction (-)</a:t>
+            </a:r>
+          </a:p>
+          <a:p>
+            <a:r>
+              <a:rPr lang="en-US" dirty="0" smtClean="0"/>
+              <a:t>Multiplication (*)</a:t>
+            </a:r>
+          </a:p>
+          <a:p>
+            <a:r>
+              <a:rPr lang="en-US" dirty="0" smtClean="0"/>
+              <a:t>Division (/)</a:t>
+            </a:r>
+            <a:endParaRPr lang="en-US" dirty="0"/>
+          </a:p>
+        </p:txBody>
+      </p:sp>
+      <p:sp>
+        <p:nvSpPr>
+          <p:cNvPr id="11" name="Rectangle 10"/>
+          <p:cNvSpPr/>
+          <p:nvPr/>
+        </p:nvSpPr>
+        <p:spPr>
+          <a:xfrm>
+            <a:off x="371689" y="3080326"/>
+            <a:ext cx="2837636" cy="369332"/>
+          </a:xfrm>
+          <a:prstGeom prst="rect">
+            <a:avLst/>
+          </a:prstGeom>
+        </p:spPr>
+        <p:txBody>
+          <a:bodyPr wrap="none">
+            <a:spAutoFit/>
+          </a:bodyPr>
+          <a:lstStyle/>
+          <a:p>
+            <a:r>
+              <a:rPr lang="en-US" dirty="0" smtClean="0">
+                <a:solidFill>
+                  <a:srgbClr val="000000"/>
+                </a:solidFill>
+                <a:latin typeface="Verdana" charset="0"/>
+              </a:rPr>
+              <a:t>- </a:t>
+            </a:r>
+            <a:r>
+              <a:rPr lang="en-US"/>
+              <a:t>Assignment </a:t>
+            </a:r>
+            <a:r>
+              <a:rPr lang="en-US" smtClean="0"/>
+              <a:t>Operators</a:t>
+            </a:r>
+            <a:endParaRPr lang="en-US" dirty="0"/>
+          </a:p>
+        </p:txBody>
+      </p:sp>
+      <p:sp>
+        <p:nvSpPr>
           <p:cNvPr id="9" name="Rectangle 8"/>
           <p:cNvSpPr/>
           <p:nvPr/>
         </p:nvSpPr>
         <p:spPr>
           <a:xfrm>
-            <a:off x="674370" y="4476711"/>
-            <a:ext cx="1398140" cy="923330"/>
+            <a:off x="4114256" y="3227408"/>
+            <a:ext cx="681597" cy="646331"/>
           </a:xfrm>
           <a:prstGeom prst="rect">
             <a:avLst/>
@@ -10845,286 +11077,20 @@
               </a:rPr>
               <a:t>y=3</a:t>
             </a:r>
-          </a:p>
-          <a:p>
-            <a:r>
-              <a:rPr lang="en-US" dirty="0" smtClean="0">
-                <a:solidFill>
-                  <a:srgbClr val="000000"/>
-                </a:solidFill>
-                <a:latin typeface="Verdana" charset="0"/>
-              </a:rPr>
-              <a:t>print(x&gt;y)</a:t>
-            </a:r>
             <a:endParaRPr lang="en-US" dirty="0"/>
           </a:p>
         </p:txBody>
       </p:sp>
       <p:sp>
         <p:nvSpPr>
-          <p:cNvPr id="3" name="Rectangle 2"/>
+          <p:cNvPr id="10" name="Rectangle 9"/>
           <p:cNvSpPr/>
           <p:nvPr/>
         </p:nvSpPr>
         <p:spPr>
           <a:xfrm>
-            <a:off x="7541140" y="2879570"/>
-            <a:ext cx="3496295" cy="923330"/>
-          </a:xfrm>
-          <a:prstGeom prst="rect">
-            <a:avLst/>
-          </a:prstGeom>
-        </p:spPr>
-        <p:txBody>
-          <a:bodyPr wrap="square">
-            <a:spAutoFit/>
-          </a:bodyPr>
-          <a:lstStyle/>
-          <a:p>
-            <a:r>
-              <a:rPr lang="mr-IN" dirty="0" err="1">
-                <a:solidFill>
-                  <a:srgbClr val="0000CD"/>
-                </a:solidFill>
-                <a:latin typeface="Consolas" charset="0"/>
-              </a:rPr>
-              <a:t>print</a:t>
-            </a:r>
-            <a:r>
-              <a:rPr lang="mr-IN" dirty="0">
-                <a:solidFill>
-                  <a:srgbClr val="000000"/>
-                </a:solidFill>
-                <a:latin typeface="Consolas" charset="0"/>
-              </a:rPr>
-              <a:t>(</a:t>
-            </a:r>
-            <a:r>
-              <a:rPr lang="mr-IN" dirty="0">
-                <a:solidFill>
-                  <a:srgbClr val="FF0000"/>
-                </a:solidFill>
-                <a:latin typeface="Consolas" charset="0"/>
-              </a:rPr>
-              <a:t>10</a:t>
-            </a:r>
-            <a:r>
-              <a:rPr lang="mr-IN" dirty="0">
-                <a:solidFill>
-                  <a:srgbClr val="000000"/>
-                </a:solidFill>
-                <a:latin typeface="Consolas" charset="0"/>
-              </a:rPr>
-              <a:t> &gt; </a:t>
-            </a:r>
-            <a:r>
-              <a:rPr lang="mr-IN" dirty="0">
-                <a:solidFill>
-                  <a:srgbClr val="FF0000"/>
-                </a:solidFill>
-                <a:latin typeface="Consolas" charset="0"/>
-              </a:rPr>
-              <a:t>9</a:t>
-            </a:r>
-            <a:r>
-              <a:rPr lang="mr-IN" dirty="0" smtClean="0">
-                <a:solidFill>
-                  <a:srgbClr val="000000"/>
-                </a:solidFill>
-                <a:latin typeface="Consolas" charset="0"/>
-              </a:rPr>
-              <a:t>)</a:t>
-            </a:r>
-            <a:r>
-              <a:rPr lang="en-US" dirty="0">
-                <a:solidFill>
-                  <a:srgbClr val="000000"/>
-                </a:solidFill>
-                <a:latin typeface="Consolas" charset="0"/>
-              </a:rPr>
-              <a:t> </a:t>
-            </a:r>
-            <a:r>
-              <a:rPr lang="en-US" dirty="0" smtClean="0">
-                <a:solidFill>
-                  <a:srgbClr val="000000"/>
-                </a:solidFill>
-                <a:latin typeface="Consolas" charset="0"/>
-              </a:rPr>
-              <a:t>  # True</a:t>
-            </a:r>
-            <a:r>
-              <a:rPr lang="mr-IN" dirty="0"/>
-              <a:t/>
-            </a:r>
-            <a:br>
-              <a:rPr lang="mr-IN" dirty="0"/>
-            </a:br>
-            <a:r>
-              <a:rPr lang="mr-IN" dirty="0" err="1">
-                <a:solidFill>
-                  <a:srgbClr val="0000CD"/>
-                </a:solidFill>
-                <a:latin typeface="Consolas" charset="0"/>
-              </a:rPr>
-              <a:t>print</a:t>
-            </a:r>
-            <a:r>
-              <a:rPr lang="mr-IN" dirty="0">
-                <a:solidFill>
-                  <a:srgbClr val="000000"/>
-                </a:solidFill>
-                <a:latin typeface="Consolas" charset="0"/>
-              </a:rPr>
-              <a:t>(</a:t>
-            </a:r>
-            <a:r>
-              <a:rPr lang="mr-IN" dirty="0">
-                <a:solidFill>
-                  <a:srgbClr val="FF0000"/>
-                </a:solidFill>
-                <a:latin typeface="Consolas" charset="0"/>
-              </a:rPr>
-              <a:t>10</a:t>
-            </a:r>
-            <a:r>
-              <a:rPr lang="mr-IN" dirty="0">
-                <a:solidFill>
-                  <a:srgbClr val="000000"/>
-                </a:solidFill>
-                <a:latin typeface="Consolas" charset="0"/>
-              </a:rPr>
-              <a:t> == </a:t>
-            </a:r>
-            <a:r>
-              <a:rPr lang="mr-IN" dirty="0">
-                <a:solidFill>
-                  <a:srgbClr val="FF0000"/>
-                </a:solidFill>
-                <a:latin typeface="Consolas" charset="0"/>
-              </a:rPr>
-              <a:t>9</a:t>
-            </a:r>
-            <a:r>
-              <a:rPr lang="mr-IN" dirty="0" smtClean="0">
-                <a:solidFill>
-                  <a:srgbClr val="000000"/>
-                </a:solidFill>
-                <a:latin typeface="Consolas" charset="0"/>
-              </a:rPr>
-              <a:t>)</a:t>
-            </a:r>
-            <a:r>
-              <a:rPr lang="en-US" dirty="0">
-                <a:solidFill>
-                  <a:srgbClr val="000000"/>
-                </a:solidFill>
-                <a:latin typeface="Consolas" charset="0"/>
-              </a:rPr>
-              <a:t> </a:t>
-            </a:r>
-            <a:r>
-              <a:rPr lang="en-US" dirty="0" smtClean="0">
-                <a:solidFill>
-                  <a:srgbClr val="000000"/>
-                </a:solidFill>
-                <a:latin typeface="Consolas" charset="0"/>
-              </a:rPr>
-              <a:t> # False</a:t>
-            </a:r>
-            <a:r>
-              <a:rPr lang="mr-IN" dirty="0"/>
-              <a:t/>
-            </a:r>
-            <a:br>
-              <a:rPr lang="mr-IN" dirty="0"/>
-            </a:br>
-            <a:r>
-              <a:rPr lang="mr-IN" dirty="0" err="1">
-                <a:solidFill>
-                  <a:srgbClr val="0000CD"/>
-                </a:solidFill>
-                <a:latin typeface="Consolas" charset="0"/>
-              </a:rPr>
-              <a:t>print</a:t>
-            </a:r>
-            <a:r>
-              <a:rPr lang="mr-IN" dirty="0">
-                <a:solidFill>
-                  <a:srgbClr val="000000"/>
-                </a:solidFill>
-                <a:latin typeface="Consolas" charset="0"/>
-              </a:rPr>
-              <a:t>(</a:t>
-            </a:r>
-            <a:r>
-              <a:rPr lang="mr-IN" dirty="0">
-                <a:solidFill>
-                  <a:srgbClr val="FF0000"/>
-                </a:solidFill>
-                <a:latin typeface="Consolas" charset="0"/>
-              </a:rPr>
-              <a:t>10</a:t>
-            </a:r>
-            <a:r>
-              <a:rPr lang="mr-IN" dirty="0">
-                <a:solidFill>
-                  <a:srgbClr val="000000"/>
-                </a:solidFill>
-                <a:latin typeface="Consolas" charset="0"/>
-              </a:rPr>
-              <a:t> &lt; </a:t>
-            </a:r>
-            <a:r>
-              <a:rPr lang="mr-IN" dirty="0">
-                <a:solidFill>
-                  <a:srgbClr val="FF0000"/>
-                </a:solidFill>
-                <a:latin typeface="Consolas" charset="0"/>
-              </a:rPr>
-              <a:t>9</a:t>
-            </a:r>
-            <a:r>
-              <a:rPr lang="mr-IN" dirty="0" smtClean="0">
-                <a:solidFill>
-                  <a:srgbClr val="000000"/>
-                </a:solidFill>
-                <a:latin typeface="Consolas" charset="0"/>
-              </a:rPr>
-              <a:t>)</a:t>
-            </a:r>
-            <a:r>
-              <a:rPr lang="en-US" dirty="0" smtClean="0">
-                <a:solidFill>
-                  <a:srgbClr val="000000"/>
-                </a:solidFill>
-                <a:latin typeface="Consolas" charset="0"/>
-              </a:rPr>
-              <a:t>   # </a:t>
-            </a:r>
-            <a:r>
-              <a:rPr lang="en-US" dirty="0">
-                <a:solidFill>
-                  <a:srgbClr val="000000"/>
-                </a:solidFill>
-                <a:latin typeface="Consolas" charset="0"/>
-              </a:rPr>
-              <a:t>False</a:t>
-            </a:r>
-            <a:endParaRPr lang="en-US" dirty="0"/>
-          </a:p>
-        </p:txBody>
-      </p:sp>
-      <p:sp>
-        <p:nvSpPr>
-          <p:cNvPr id="15" name="Rectangle 14"/>
-          <p:cNvSpPr/>
-          <p:nvPr/>
-        </p:nvSpPr>
-        <p:spPr>
-          <a:xfrm>
-            <a:off x="630828" y="3983078"/>
-            <a:ext cx="6055056" cy="369332"/>
+            <a:off x="510415" y="3449658"/>
+            <a:ext cx="3248903" cy="369332"/>
           </a:xfrm>
           <a:prstGeom prst="rect">
             <a:avLst/>
@@ -11137,22 +11103,56 @@
           <a:lstStyle/>
           <a:p>
             <a:r>
-              <a:rPr lang="en-US" dirty="0" smtClean="0">
+              <a:rPr lang="en-US" dirty="0">
                 <a:solidFill>
                   <a:srgbClr val="000000"/>
                 </a:solidFill>
                 <a:latin typeface="Verdana" charset="0"/>
               </a:rPr>
-              <a:t>Question: what will be printed out? True or False? </a:t>
+              <a:t> assign values to variables</a:t>
             </a:r>
             <a:endParaRPr lang="en-US" dirty="0"/>
+          </a:p>
+        </p:txBody>
+      </p:sp>
+      <p:sp>
+        <p:nvSpPr>
+          <p:cNvPr id="12" name="Rectangle 11"/>
+          <p:cNvSpPr/>
+          <p:nvPr/>
+        </p:nvSpPr>
+        <p:spPr>
+          <a:xfrm>
+            <a:off x="4074028" y="4967667"/>
+            <a:ext cx="809837" cy="369332"/>
+          </a:xfrm>
+          <a:prstGeom prst="rect">
+            <a:avLst/>
+          </a:prstGeom>
+        </p:spPr>
+        <p:txBody>
+          <a:bodyPr wrap="none">
+            <a:spAutoFit/>
+          </a:bodyPr>
+          <a:lstStyle/>
+          <a:p>
+            <a:r>
+              <a:rPr lang="en-US">
+                <a:solidFill>
+                  <a:srgbClr val="000000"/>
+                </a:solidFill>
+                <a:latin typeface="Verdana" charset="0"/>
+              </a:rPr>
+              <a:t>x + y</a:t>
+            </a:r>
+            <a:endParaRPr lang="en-US"/>
           </a:p>
         </p:txBody>
       </p:sp>
     </p:spTree>
     <p:extLst>
       <p:ext uri="{BB962C8B-B14F-4D97-AF65-F5344CB8AC3E}">
-        <p14:creationId xmlns:p14="http://schemas.microsoft.com/office/powerpoint/2010/main" val="1042573204"/>
+        <p14:creationId xmlns:p14="http://schemas.microsoft.com/office/powerpoint/2010/main" val="213261017"/>
       </p:ext>
     </p:extLst>
   </p:cSld>
@@ -11506,7 +11506,7 @@
         <p:spPr>
           <a:xfrm>
             <a:off x="781050" y="5375797"/>
-            <a:ext cx="6320961" cy="369332"/>
+            <a:ext cx="6404317" cy="369332"/>
           </a:xfrm>
           <a:prstGeom prst="rect">
             <a:avLst/>
@@ -11667,14 +11667,14 @@
         <p:spPr>
           <a:xfrm>
             <a:off x="7277100" y="2192803"/>
-            <a:ext cx="6096000" cy="923330"/>
+            <a:ext cx="4334329" cy="923330"/>
           </a:xfrm>
           <a:prstGeom prst="rect">
             <a:avLst/>
           </a:prstGeom>
         </p:spPr>
         <p:txBody>
-          <a:bodyPr>
+          <a:bodyPr wrap="square">
             <a:spAutoFit/>
           </a:bodyPr>
           <a:lstStyle/>
@@ -11745,7 +11745,25 @@
                 </a:solidFill>
                 <a:latin typeface="Consolas" charset="0"/>
               </a:rPr>
-              <a:t>, 9))</a:t>
+              <a:t>, </a:t>
+            </a:r>
+            <a:r>
+              <a:rPr lang="en-US">
+                <a:solidFill>
+                  <a:srgbClr val="0000CD"/>
+                </a:solidFill>
+                <a:latin typeface="Consolas" charset="0"/>
+              </a:rPr>
+              <a:t>9</a:t>
+            </a:r>
+            <a:r>
+              <a:rPr lang="en-US" smtClean="0">
+                <a:solidFill>
+                  <a:srgbClr val="0000CD"/>
+                </a:solidFill>
+                <a:latin typeface="Consolas" charset="0"/>
+              </a:rPr>
+              <a:t>))</a:t>
             </a:r>
             <a:endParaRPr lang="en-US" dirty="0"/>
           </a:p>

--- a/lec03/3.pptx
+++ b/lec03/3.pptx
@@ -8,7 +8,7 @@
     <p:notesMasterId r:id="rId13"/>
   </p:notesMasterIdLst>
   <p:sldIdLst>
-    <p:sldId id="267" r:id="rId2"/>
+    <p:sldId id="269" r:id="rId2"/>
     <p:sldId id="256" r:id="rId3"/>
     <p:sldId id="261" r:id="rId4"/>
     <p:sldId id="268" r:id="rId5"/>
@@ -569,7 +569,7 @@
           <a:effectLst/>
           <a:extLst>
             <a:ext uri="{91240B29-F687-4f45-9708-019B960494DF}">
-              <a14:hiddenLine xmlns:a14="http://schemas.microsoft.com/office/drawing/2010/main" xmlns="" w="9525">
+              <a14:hiddenLine xmlns="" xmlns:a14="http://schemas.microsoft.com/office/drawing/2010/main" w="9525">
                 <a:solidFill>
                   <a:srgbClr val="000000"/>
                 </a:solidFill>
@@ -2091,7 +2091,7 @@
           <a:ln/>
           <a:extLst>
             <a:ext uri="{91240B29-F687-4f45-9708-019B960494DF}">
-              <a14:hiddenLine xmlns:a14="http://schemas.microsoft.com/office/drawing/2010/main" xmlns="" w="9525">
+              <a14:hiddenLine xmlns="" xmlns:a14="http://schemas.microsoft.com/office/drawing/2010/main" w="9525">
                 <a:solidFill>
                   <a:srgbClr val="000000"/>
                 </a:solidFill>
@@ -2366,7 +2366,7 @@
           <a:ln/>
           <a:extLst>
             <a:ext uri="{91240B29-F687-4f45-9708-019B960494DF}">
-              <a14:hiddenLine xmlns:a14="http://schemas.microsoft.com/office/drawing/2010/main" xmlns="" w="9525">
+              <a14:hiddenLine xmlns="" xmlns:a14="http://schemas.microsoft.com/office/drawing/2010/main" w="9525">
                 <a:solidFill>
                   <a:srgbClr val="000000"/>
                 </a:solidFill>
@@ -2649,7 +2649,7 @@
           <a:ln/>
           <a:extLst>
             <a:ext uri="{91240B29-F687-4f45-9708-019B960494DF}">
-              <a14:hiddenLine xmlns:a14="http://schemas.microsoft.com/office/drawing/2010/main" xmlns="" w="9525">
+              <a14:hiddenLine xmlns="" xmlns:a14="http://schemas.microsoft.com/office/drawing/2010/main" w="9525">
                 <a:solidFill>
                   <a:srgbClr val="000000"/>
                 </a:solidFill>
@@ -3275,7 +3275,7 @@
           <a:ln/>
           <a:extLst>
             <a:ext uri="{91240B29-F687-4f45-9708-019B960494DF}">
-              <a14:hiddenLine xmlns:a14="http://schemas.microsoft.com/office/drawing/2010/main" xmlns="" w="9525">
+              <a14:hiddenLine xmlns="" xmlns:a14="http://schemas.microsoft.com/office/drawing/2010/main" w="9525">
                 <a:solidFill>
                   <a:srgbClr val="000000"/>
                 </a:solidFill>
@@ -3614,7 +3614,7 @@
           <a:ln/>
           <a:extLst>
             <a:ext uri="{91240B29-F687-4f45-9708-019B960494DF}">
-              <a14:hiddenLine xmlns:a14="http://schemas.microsoft.com/office/drawing/2010/main" xmlns="" w="9525">
+              <a14:hiddenLine xmlns="" xmlns:a14="http://schemas.microsoft.com/office/drawing/2010/main" w="9525">
                 <a:solidFill>
                   <a:srgbClr val="000000"/>
                 </a:solidFill>
@@ -4091,7 +4091,7 @@
           <a:ln/>
           <a:extLst>
             <a:ext uri="{91240B29-F687-4f45-9708-019B960494DF}">
-              <a14:hiddenLine xmlns:a14="http://schemas.microsoft.com/office/drawing/2010/main" xmlns="" w="9525">
+              <a14:hiddenLine xmlns="" xmlns:a14="http://schemas.microsoft.com/office/drawing/2010/main" w="9525">
                 <a:solidFill>
                   <a:srgbClr val="000000"/>
                 </a:solidFill>
@@ -4520,7 +4520,7 @@
           <a:ln/>
           <a:extLst>
             <a:ext uri="{91240B29-F687-4f45-9708-019B960494DF}">
-              <a14:hiddenLine xmlns:a14="http://schemas.microsoft.com/office/drawing/2010/main" xmlns="" w="9525">
+              <a14:hiddenLine xmlns="" xmlns:a14="http://schemas.microsoft.com/office/drawing/2010/main" w="9525">
                 <a:solidFill>
                   <a:srgbClr val="000000"/>
                 </a:solidFill>
@@ -5761,7 +5761,7 @@
           <p:cNvPr id="2" name="Title 1">
             <a:extLst>
               <a:ext uri="{FF2B5EF4-FFF2-40B4-BE49-F238E27FC236}">
-                <a16:creationId xmlns="" xmlns:a16="http://schemas.microsoft.com/office/drawing/2014/main" id="{253967F2-5A0B-C248-8CB9-CD7AEEE78A10}"/>
+                <a16:creationId xmlns:a16="http://schemas.microsoft.com/office/drawing/2014/main" xmlns="" id="{253967F2-5A0B-C248-8CB9-CD7AEEE78A10}"/>
               </a:ext>
             </a:extLst>
           </p:cNvPr>
@@ -6182,7 +6182,7 @@
     </p:spTree>
     <p:extLst>
       <p:ext uri="{BB962C8B-B14F-4D97-AF65-F5344CB8AC3E}">
-        <p14:creationId xmlns:p14="http://schemas.microsoft.com/office/powerpoint/2010/main" val="1301237867"/>
+        <p14:creationId xmlns:p14="http://schemas.microsoft.com/office/powerpoint/2010/main" val="894975942"/>
       </p:ext>
     </p:extLst>
   </p:cSld>
@@ -6221,7 +6221,7 @@
           <p:cNvPr id="2" name="Title 1">
             <a:extLst>
               <a:ext uri="{FF2B5EF4-FFF2-40B4-BE49-F238E27FC236}">
-                <a16:creationId xmlns="" xmlns:a16="http://schemas.microsoft.com/office/drawing/2014/main" id="{253967F2-5A0B-C248-8CB9-CD7AEEE78A10}"/>
+                <a16:creationId xmlns:a16="http://schemas.microsoft.com/office/drawing/2014/main" xmlns="" id="{253967F2-5A0B-C248-8CB9-CD7AEEE78A10}"/>
               </a:ext>
             </a:extLst>
           </p:cNvPr>
@@ -6255,7 +6255,7 @@
           <p:cNvPr id="4" name="Rectangle 3">
             <a:extLst>
               <a:ext uri="{FF2B5EF4-FFF2-40B4-BE49-F238E27FC236}">
-                <a16:creationId xmlns="" xmlns:a16="http://schemas.microsoft.com/office/drawing/2014/main" id="{D32DC10E-7EF7-3944-8AD4-4E6E707794C4}"/>
+                <a16:creationId xmlns:a16="http://schemas.microsoft.com/office/drawing/2014/main" xmlns="" id="{D32DC10E-7EF7-3944-8AD4-4E6E707794C4}"/>
               </a:ext>
             </a:extLst>
           </p:cNvPr>
@@ -6938,7 +6938,7 @@
           <p:cNvPr id="2" name="Title 1">
             <a:extLst>
               <a:ext uri="{FF2B5EF4-FFF2-40B4-BE49-F238E27FC236}">
-                <a16:creationId xmlns="" xmlns:a16="http://schemas.microsoft.com/office/drawing/2014/main" id="{253967F2-5A0B-C248-8CB9-CD7AEEE78A10}"/>
+                <a16:creationId xmlns:a16="http://schemas.microsoft.com/office/drawing/2014/main" xmlns="" id="{253967F2-5A0B-C248-8CB9-CD7AEEE78A10}"/>
               </a:ext>
             </a:extLst>
           </p:cNvPr>
@@ -7599,10 +7599,10 @@
           <p:cNvPr id="8" name="Rectangle 7">
             <a:extLst>
               <a:ext uri="{FF2B5EF4-FFF2-40B4-BE49-F238E27FC236}">
-                <a16:creationId xmlns="" xmlns:a16="http://schemas.microsoft.com/office/drawing/2014/main" id="{597EA66B-2AAB-42B0-9F9D-38920D8D82D7}"/>
+                <a16:creationId xmlns:a16="http://schemas.microsoft.com/office/drawing/2014/main" xmlns="" id="{597EA66B-2AAB-42B0-9F9D-38920D8D82D7}"/>
               </a:ext>
               <a:ext uri="{C183D7F6-B498-43B3-948B-1728B52AA6E4}">
-                <adec:decorative xmlns="" xmlns:adec="http://schemas.microsoft.com/office/drawing/2017/decorative" val="1"/>
+                <adec:decorative xmlns:adec="http://schemas.microsoft.com/office/drawing/2017/decorative" xmlns="" val="1"/>
               </a:ext>
             </a:extLst>
           </p:cNvPr>
@@ -7655,7 +7655,7 @@
           <p:cNvPr id="2" name="Title 1">
             <a:extLst>
               <a:ext uri="{FF2B5EF4-FFF2-40B4-BE49-F238E27FC236}">
-                <a16:creationId xmlns="" xmlns:a16="http://schemas.microsoft.com/office/drawing/2014/main" id="{FD7674F6-73A9-0648-A682-1E6E87D11949}"/>
+                <a16:creationId xmlns:a16="http://schemas.microsoft.com/office/drawing/2014/main" xmlns="" id="{FD7674F6-73A9-0648-A682-1E6E87D11949}"/>
               </a:ext>
             </a:extLst>
           </p:cNvPr>
@@ -7728,10 +7728,10 @@
           <p:cNvPr id="10" name="Freeform: Shape 9">
             <a:extLst>
               <a:ext uri="{FF2B5EF4-FFF2-40B4-BE49-F238E27FC236}">
-                <a16:creationId xmlns="" xmlns:a16="http://schemas.microsoft.com/office/drawing/2014/main" id="{D360EBE3-31BB-422F-AA87-FA3873DAE484}"/>
+                <a16:creationId xmlns:a16="http://schemas.microsoft.com/office/drawing/2014/main" xmlns="" id="{D360EBE3-31BB-422F-AA87-FA3873DAE484}"/>
               </a:ext>
               <a:ext uri="{C183D7F6-B498-43B3-948B-1728B52AA6E4}">
-                <adec:decorative xmlns="" xmlns:adec="http://schemas.microsoft.com/office/drawing/2017/decorative" val="1"/>
+                <adec:decorative xmlns:adec="http://schemas.microsoft.com/office/drawing/2017/decorative" xmlns="" val="1"/>
               </a:ext>
             </a:extLst>
           </p:cNvPr>
@@ -7919,7 +7919,7 @@
           <a:effectLst/>
           <a:extLst>
             <a:ext uri="{91240B29-F687-4f45-9708-019B960494DF}">
-              <a14:hiddenLine xmlns="" xmlns:a16="http://schemas.microsoft.com/office/drawing/2014/main" xmlns:p14="http://schemas.microsoft.com/office/powerpoint/2010/main" xmlns:a14="http://schemas.microsoft.com/office/drawing/2010/main" w="9525">
+              <a14:hiddenLine xmlns:a14="http://schemas.microsoft.com/office/drawing/2010/main" xmlns:p14="http://schemas.microsoft.com/office/powerpoint/2010/main" xmlns:a16="http://schemas.microsoft.com/office/drawing/2014/main" xmlns="" w="9525">
                 <a:solidFill>
                   <a:srgbClr val="000000"/>
                 </a:solidFill>
@@ -8055,7 +8055,7 @@
           <p:cNvPr id="2" name="Title 1">
             <a:extLst>
               <a:ext uri="{FF2B5EF4-FFF2-40B4-BE49-F238E27FC236}">
-                <a16:creationId xmlns="" xmlns:a16="http://schemas.microsoft.com/office/drawing/2014/main" id="{253967F2-5A0B-C248-8CB9-CD7AEEE78A10}"/>
+                <a16:creationId xmlns:a16="http://schemas.microsoft.com/office/drawing/2014/main" xmlns="" id="{253967F2-5A0B-C248-8CB9-CD7AEEE78A10}"/>
               </a:ext>
             </a:extLst>
           </p:cNvPr>
@@ -8089,7 +8089,7 @@
           <p:cNvPr id="4" name="Rectangle 3">
             <a:extLst>
               <a:ext uri="{FF2B5EF4-FFF2-40B4-BE49-F238E27FC236}">
-                <a16:creationId xmlns="" xmlns:a16="http://schemas.microsoft.com/office/drawing/2014/main" id="{D32DC10E-7EF7-3944-8AD4-4E6E707794C4}"/>
+                <a16:creationId xmlns:a16="http://schemas.microsoft.com/office/drawing/2014/main" xmlns="" id="{D32DC10E-7EF7-3944-8AD4-4E6E707794C4}"/>
               </a:ext>
             </a:extLst>
           </p:cNvPr>
@@ -8551,7 +8551,7 @@
           <p:cNvPr id="20" name="Content Placeholder 2">
             <a:extLst>
               <a:ext uri="{FF2B5EF4-FFF2-40B4-BE49-F238E27FC236}">
-                <a16:creationId xmlns="" xmlns:a16="http://schemas.microsoft.com/office/drawing/2014/main" id="{AAC43A36-3820-8644-A359-5868F70E4EB9}"/>
+                <a16:creationId xmlns:a16="http://schemas.microsoft.com/office/drawing/2014/main" xmlns="" id="{AAC43A36-3820-8644-A359-5868F70E4EB9}"/>
               </a:ext>
             </a:extLst>
           </p:cNvPr>
@@ -8974,7 +8974,7 @@
           <p:cNvPr id="2" name="Title 1">
             <a:extLst>
               <a:ext uri="{FF2B5EF4-FFF2-40B4-BE49-F238E27FC236}">
-                <a16:creationId xmlns="" xmlns:a16="http://schemas.microsoft.com/office/drawing/2014/main" id="{253967F2-5A0B-C248-8CB9-CD7AEEE78A10}"/>
+                <a16:creationId xmlns:a16="http://schemas.microsoft.com/office/drawing/2014/main" xmlns="" id="{253967F2-5A0B-C248-8CB9-CD7AEEE78A10}"/>
               </a:ext>
             </a:extLst>
           </p:cNvPr>
@@ -8999,7 +8999,6 @@
               <a:rPr lang="en-US" dirty="0"/>
               <a:t>Booleans</a:t>
             </a:r>
-            <a:endParaRPr lang="en-US" dirty="0"/>
           </a:p>
         </p:txBody>
       </p:sp>
@@ -9008,7 +9007,7 @@
           <p:cNvPr id="4" name="Rectangle 3">
             <a:extLst>
               <a:ext uri="{FF2B5EF4-FFF2-40B4-BE49-F238E27FC236}">
-                <a16:creationId xmlns="" xmlns:a16="http://schemas.microsoft.com/office/drawing/2014/main" id="{D32DC10E-7EF7-3944-8AD4-4E6E707794C4}"/>
+                <a16:creationId xmlns:a16="http://schemas.microsoft.com/office/drawing/2014/main" xmlns="" id="{D32DC10E-7EF7-3944-8AD4-4E6E707794C4}"/>
               </a:ext>
             </a:extLst>
           </p:cNvPr>
@@ -9584,7 +9583,7 @@
           <p:cNvPr id="2" name="Title 1">
             <a:extLst>
               <a:ext uri="{FF2B5EF4-FFF2-40B4-BE49-F238E27FC236}">
-                <a16:creationId xmlns="" xmlns:a16="http://schemas.microsoft.com/office/drawing/2014/main" id="{253967F2-5A0B-C248-8CB9-CD7AEEE78A10}"/>
+                <a16:creationId xmlns:a16="http://schemas.microsoft.com/office/drawing/2014/main" xmlns="" id="{253967F2-5A0B-C248-8CB9-CD7AEEE78A10}"/>
               </a:ext>
             </a:extLst>
           </p:cNvPr>
@@ -9618,7 +9617,7 @@
           <p:cNvPr id="4" name="Rectangle 3">
             <a:extLst>
               <a:ext uri="{FF2B5EF4-FFF2-40B4-BE49-F238E27FC236}">
-                <a16:creationId xmlns="" xmlns:a16="http://schemas.microsoft.com/office/drawing/2014/main" id="{D32DC10E-7EF7-3944-8AD4-4E6E707794C4}"/>
+                <a16:creationId xmlns:a16="http://schemas.microsoft.com/office/drawing/2014/main" xmlns="" id="{D32DC10E-7EF7-3944-8AD4-4E6E707794C4}"/>
               </a:ext>
             </a:extLst>
           </p:cNvPr>
@@ -9765,7 +9764,7 @@
           <p:cNvPr id="20" name="Content Placeholder 2">
             <a:extLst>
               <a:ext uri="{FF2B5EF4-FFF2-40B4-BE49-F238E27FC236}">
-                <a16:creationId xmlns="" xmlns:a16="http://schemas.microsoft.com/office/drawing/2014/main" id="{AAC43A36-3820-8644-A359-5868F70E4EB9}"/>
+                <a16:creationId xmlns:a16="http://schemas.microsoft.com/office/drawing/2014/main" xmlns="" id="{AAC43A36-3820-8644-A359-5868F70E4EB9}"/>
               </a:ext>
             </a:extLst>
           </p:cNvPr>
@@ -10402,7 +10401,7 @@
           <p:cNvPr id="2" name="Title 1">
             <a:extLst>
               <a:ext uri="{FF2B5EF4-FFF2-40B4-BE49-F238E27FC236}">
-                <a16:creationId xmlns="" xmlns:a16="http://schemas.microsoft.com/office/drawing/2014/main" id="{253967F2-5A0B-C248-8CB9-CD7AEEE78A10}"/>
+                <a16:creationId xmlns:a16="http://schemas.microsoft.com/office/drawing/2014/main" xmlns="" id="{253967F2-5A0B-C248-8CB9-CD7AEEE78A10}"/>
               </a:ext>
             </a:extLst>
           </p:cNvPr>
@@ -10436,7 +10435,7 @@
           <p:cNvPr id="4" name="Rectangle 3">
             <a:extLst>
               <a:ext uri="{FF2B5EF4-FFF2-40B4-BE49-F238E27FC236}">
-                <a16:creationId xmlns="" xmlns:a16="http://schemas.microsoft.com/office/drawing/2014/main" id="{D32DC10E-7EF7-3944-8AD4-4E6E707794C4}"/>
+                <a16:creationId xmlns:a16="http://schemas.microsoft.com/office/drawing/2014/main" xmlns="" id="{D32DC10E-7EF7-3944-8AD4-4E6E707794C4}"/>
               </a:ext>
             </a:extLst>
           </p:cNvPr>
@@ -10582,7 +10581,7 @@
           <p:cNvPr id="20" name="Content Placeholder 2">
             <a:extLst>
               <a:ext uri="{FF2B5EF4-FFF2-40B4-BE49-F238E27FC236}">
-                <a16:creationId xmlns="" xmlns:a16="http://schemas.microsoft.com/office/drawing/2014/main" id="{AAC43A36-3820-8644-A359-5868F70E4EB9}"/>
+                <a16:creationId xmlns:a16="http://schemas.microsoft.com/office/drawing/2014/main" xmlns="" id="{AAC43A36-3820-8644-A359-5868F70E4EB9}"/>
               </a:ext>
             </a:extLst>
           </p:cNvPr>
@@ -11215,7 +11214,7 @@
           <p:cNvPr id="17" name="Title 1">
             <a:extLst>
               <a:ext uri="{FF2B5EF4-FFF2-40B4-BE49-F238E27FC236}">
-                <a16:creationId xmlns="" xmlns:a16="http://schemas.microsoft.com/office/drawing/2014/main" id="{253967F2-5A0B-C248-8CB9-CD7AEEE78A10}"/>
+                <a16:creationId xmlns:a16="http://schemas.microsoft.com/office/drawing/2014/main" xmlns="" id="{253967F2-5A0B-C248-8CB9-CD7AEEE78A10}"/>
               </a:ext>
             </a:extLst>
           </p:cNvPr>
@@ -11625,7 +11624,7 @@
           <p:cNvPr id="17" name="Title 1">
             <a:extLst>
               <a:ext uri="{FF2B5EF4-FFF2-40B4-BE49-F238E27FC236}">
-                <a16:creationId xmlns="" xmlns:a16="http://schemas.microsoft.com/office/drawing/2014/main" id="{253967F2-5A0B-C248-8CB9-CD7AEEE78A10}"/>
+                <a16:creationId xmlns:a16="http://schemas.microsoft.com/office/drawing/2014/main" xmlns="" id="{253967F2-5A0B-C248-8CB9-CD7AEEE78A10}"/>
               </a:ext>
             </a:extLst>
           </p:cNvPr>
@@ -12241,7 +12240,7 @@
           <p:cNvPr id="2" name="Title 1">
             <a:extLst>
               <a:ext uri="{FF2B5EF4-FFF2-40B4-BE49-F238E27FC236}">
-                <a16:creationId xmlns="" xmlns:a16="http://schemas.microsoft.com/office/drawing/2014/main" id="{918868B3-A663-1844-AFE8-A6FDAE3B385E}"/>
+                <a16:creationId xmlns:a16="http://schemas.microsoft.com/office/drawing/2014/main" xmlns="" id="{918868B3-A663-1844-AFE8-A6FDAE3B385E}"/>
               </a:ext>
             </a:extLst>
           </p:cNvPr>
@@ -12281,7 +12280,7 @@
           <p:cNvPr id="23" name="Content Placeholder 22">
             <a:extLst>
               <a:ext uri="{FF2B5EF4-FFF2-40B4-BE49-F238E27FC236}">
-                <a16:creationId xmlns="" xmlns:a16="http://schemas.microsoft.com/office/drawing/2014/main" id="{47EEC4B3-E683-4E4C-BAC2-A66AD7C059D7}"/>
+                <a16:creationId xmlns:a16="http://schemas.microsoft.com/office/drawing/2014/main" xmlns="" id="{47EEC4B3-E683-4E4C-BAC2-A66AD7C059D7}"/>
               </a:ext>
             </a:extLst>
           </p:cNvPr>
@@ -12350,7 +12349,7 @@
           <p:cNvPr id="4" name="Group 3">
             <a:extLst>
               <a:ext uri="{FF2B5EF4-FFF2-40B4-BE49-F238E27FC236}">
-                <a16:creationId xmlns="" xmlns:a16="http://schemas.microsoft.com/office/drawing/2014/main" id="{9776BA90-E75A-334F-844D-33D8B53D9F36}"/>
+                <a16:creationId xmlns:a16="http://schemas.microsoft.com/office/drawing/2014/main" xmlns="" id="{9776BA90-E75A-334F-844D-33D8B53D9F36}"/>
               </a:ext>
             </a:extLst>
           </p:cNvPr>
@@ -12370,7 +12369,7 @@
             <p:cNvPr id="25" name="Content Placeholder 4" descr="A screenshot of a cell phone screen with text&#10;&#10;Description automatically generated">
               <a:extLst>
                 <a:ext uri="{FF2B5EF4-FFF2-40B4-BE49-F238E27FC236}">
-                  <a16:creationId xmlns="" xmlns:a16="http://schemas.microsoft.com/office/drawing/2014/main" id="{84B4EEE6-6018-CD43-8802-133A2DC052B0}"/>
+                  <a16:creationId xmlns:a16="http://schemas.microsoft.com/office/drawing/2014/main" xmlns="" id="{84B4EEE6-6018-CD43-8802-133A2DC052B0}"/>
                 </a:ext>
               </a:extLst>
             </p:cNvPr>
@@ -12413,7 +12412,7 @@
             <p:cNvPr id="26" name="Straight Arrow Connector 25">
               <a:extLst>
                 <a:ext uri="{FF2B5EF4-FFF2-40B4-BE49-F238E27FC236}">
-                  <a16:creationId xmlns="" xmlns:a16="http://schemas.microsoft.com/office/drawing/2014/main" id="{A68FF25F-92EB-AE4D-B49A-9D535DFDCC05}"/>
+                  <a16:creationId xmlns:a16="http://schemas.microsoft.com/office/drawing/2014/main" xmlns="" id="{A68FF25F-92EB-AE4D-B49A-9D535DFDCC05}"/>
                 </a:ext>
               </a:extLst>
             </p:cNvPr>
@@ -12455,7 +12454,7 @@
             <p:cNvPr id="27" name="Frame 26">
               <a:extLst>
                 <a:ext uri="{FF2B5EF4-FFF2-40B4-BE49-F238E27FC236}">
-                  <a16:creationId xmlns="" xmlns:a16="http://schemas.microsoft.com/office/drawing/2014/main" id="{3DD01559-3DB0-CB4B-A2F0-6B74C049CAB4}"/>
+                  <a16:creationId xmlns:a16="http://schemas.microsoft.com/office/drawing/2014/main" xmlns="" id="{3DD01559-3DB0-CB4B-A2F0-6B74C049CAB4}"/>
                 </a:ext>
               </a:extLst>
             </p:cNvPr>
@@ -12514,7 +12513,7 @@
           <p:cNvPr id="5" name="Group 4">
             <a:extLst>
               <a:ext uri="{FF2B5EF4-FFF2-40B4-BE49-F238E27FC236}">
-                <a16:creationId xmlns="" xmlns:a16="http://schemas.microsoft.com/office/drawing/2014/main" id="{93B0F7E5-1D46-6143-999F-650EB0A3F4AC}"/>
+                <a16:creationId xmlns:a16="http://schemas.microsoft.com/office/drawing/2014/main" xmlns="" id="{93B0F7E5-1D46-6143-999F-650EB0A3F4AC}"/>
               </a:ext>
             </a:extLst>
           </p:cNvPr>
@@ -12534,7 +12533,7 @@
             <p:cNvPr id="3" name="Picture 2">
               <a:extLst>
                 <a:ext uri="{FF2B5EF4-FFF2-40B4-BE49-F238E27FC236}">
-                  <a16:creationId xmlns="" xmlns:a16="http://schemas.microsoft.com/office/drawing/2014/main" id="{5C66460C-043A-494C-A2A5-93611CFD4B84}"/>
+                  <a16:creationId xmlns:a16="http://schemas.microsoft.com/office/drawing/2014/main" xmlns="" id="{5C66460C-043A-494C-A2A5-93611CFD4B84}"/>
                 </a:ext>
               </a:extLst>
             </p:cNvPr>
@@ -12571,7 +12570,7 @@
             <p:cNvPr id="12" name="Frame 11">
               <a:extLst>
                 <a:ext uri="{FF2B5EF4-FFF2-40B4-BE49-F238E27FC236}">
-                  <a16:creationId xmlns="" xmlns:a16="http://schemas.microsoft.com/office/drawing/2014/main" id="{552E47DA-4447-E249-AAF0-75A21746BCDA}"/>
+                  <a16:creationId xmlns:a16="http://schemas.microsoft.com/office/drawing/2014/main" xmlns="" id="{552E47DA-4447-E249-AAF0-75A21746BCDA}"/>
                 </a:ext>
               </a:extLst>
             </p:cNvPr>
@@ -12630,7 +12629,7 @@
           <p:cNvPr id="11" name="Rectangle 10">
             <a:extLst>
               <a:ext uri="{FF2B5EF4-FFF2-40B4-BE49-F238E27FC236}">
-                <a16:creationId xmlns="" xmlns:a16="http://schemas.microsoft.com/office/drawing/2014/main" id="{B3602F78-0152-F449-A476-CB75C2431FAD}"/>
+                <a16:creationId xmlns:a16="http://schemas.microsoft.com/office/drawing/2014/main" xmlns="" id="{B3602F78-0152-F449-A476-CB75C2431FAD}"/>
               </a:ext>
             </a:extLst>
           </p:cNvPr>
